--- a/PPT/Introduction To Python Day 1.pptx
+++ b/PPT/Introduction To Python Day 1.pptx
@@ -324,7 +324,7 @@
             <a:fld id="{6E5FB1B1-8ECF-4161-91D4-0AB97A4DAD52}" type="datetimeFigureOut">
               <a:rPr lang="en-GB" smtClean="0"/>
               <a:pPr/>
-              <a:t>04/08/2018</a:t>
+              <a:t>07/08/2018</a:t>
             </a:fld>
             <a:endParaRPr lang="en-GB"/>
           </a:p>
@@ -492,7 +492,7 @@
             <a:fld id="{6D778BAB-19BB-4B08-9F41-8B8D270E8CBF}" type="datetimeFigureOut">
               <a:rPr lang="en-GB" smtClean="0"/>
               <a:pPr/>
-              <a:t>04/08/2018</a:t>
+              <a:t>07/08/2018</a:t>
             </a:fld>
             <a:endParaRPr lang="en-GB"/>
           </a:p>
@@ -2956,7 +2956,7 @@
             <a:fld id="{7C4F617C-02C9-A546-8BA1-44871C7A2EF5}" type="datetime3">
               <a:rPr lang="fr-FR" smtClean="0"/>
               <a:pPr/>
-              <a:t>04.08.18</a:t>
+              <a:t>07.08.18</a:t>
             </a:fld>
             <a:endParaRPr lang="en-GB" dirty="0"/>
           </a:p>
@@ -3234,7 +3234,7 @@
             <a:fld id="{7C4F617C-02C9-A546-8BA1-44871C7A2EF5}" type="datetime3">
               <a:rPr lang="fr-FR" smtClean="0"/>
               <a:pPr/>
-              <a:t>04.08.18</a:t>
+              <a:t>07.08.18</a:t>
             </a:fld>
             <a:endParaRPr lang="en-GB" dirty="0"/>
           </a:p>
@@ -3611,7 +3611,7 @@
             <a:fld id="{7C4F617C-02C9-A546-8BA1-44871C7A2EF5}" type="datetime3">
               <a:rPr lang="fr-FR" smtClean="0"/>
               <a:pPr/>
-              <a:t>04.08.18</a:t>
+              <a:t>07.08.18</a:t>
             </a:fld>
             <a:endParaRPr lang="en-GB" dirty="0"/>
           </a:p>
@@ -3811,7 +3811,7 @@
             <a:fld id="{7C4F617C-02C9-A546-8BA1-44871C7A2EF5}" type="datetime3">
               <a:rPr lang="fr-FR" smtClean="0"/>
               <a:pPr/>
-              <a:t>04.08.18</a:t>
+              <a:t>07.08.18</a:t>
             </a:fld>
             <a:endParaRPr lang="en-GB" dirty="0"/>
           </a:p>
@@ -4127,7 +4127,7 @@
             <a:fld id="{7C4F617C-02C9-A546-8BA1-44871C7A2EF5}" type="datetime3">
               <a:rPr lang="fr-FR" smtClean="0"/>
               <a:pPr/>
-              <a:t>04.08.18</a:t>
+              <a:t>07.08.18</a:t>
             </a:fld>
             <a:endParaRPr lang="en-GB" dirty="0"/>
           </a:p>
@@ -4653,8 +4653,12 @@
           <a:lstStyle/>
           <a:p>
             <a:r>
-              <a:rPr lang="en-IN" dirty="0" smtClean="0"/>
-              <a:t>11 June 2018</a:t>
+              <a:rPr lang="en-IN" dirty="0"/>
+              <a:t>6</a:t>
+            </a:r>
+            <a:r>
+              <a:rPr lang="en-IN" dirty="0" smtClean="0"/>
+              <a:t> Aug 2018</a:t>
             </a:r>
           </a:p>
         </p:txBody>
@@ -4880,7 +4884,7 @@
             <a:fld id="{7C4F617C-02C9-A546-8BA1-44871C7A2EF5}" type="datetime3">
               <a:rPr lang="fr-FR" smtClean="0"/>
               <a:pPr/>
-              <a:t>04.08.18</a:t>
+              <a:t>07.08.18</a:t>
             </a:fld>
             <a:endParaRPr lang="en-GB" dirty="0"/>
           </a:p>
@@ -4946,6 +4950,13 @@
   <p:transition>
     <p:fade/>
   </p:transition>
+  <p:timing>
+    <p:tnLst>
+      <p:par>
+        <p:cTn id="1" dur="indefinite" restart="never" nodeType="tmRoot"/>
+      </p:par>
+    </p:tnLst>
+  </p:timing>
 </p:sld>
 </file>
 
@@ -5053,7 +5064,7 @@
             <a:fld id="{7C4F617C-02C9-A546-8BA1-44871C7A2EF5}" type="datetime3">
               <a:rPr lang="fr-FR" smtClean="0"/>
               <a:pPr/>
-              <a:t>04.08.18</a:t>
+              <a:t>07.08.18</a:t>
             </a:fld>
             <a:endParaRPr lang="en-GB" dirty="0"/>
           </a:p>
@@ -5119,6 +5130,13 @@
   <p:transition>
     <p:fade/>
   </p:transition>
+  <p:timing>
+    <p:tnLst>
+      <p:par>
+        <p:cTn id="1" dur="indefinite" restart="never" nodeType="tmRoot"/>
+      </p:par>
+    </p:tnLst>
+  </p:timing>
 </p:sld>
 </file>
 
@@ -5306,7 +5324,7 @@
             <a:fld id="{7C4F617C-02C9-A546-8BA1-44871C7A2EF5}" type="datetime3">
               <a:rPr lang="fr-FR" smtClean="0"/>
               <a:pPr/>
-              <a:t>04.08.18</a:t>
+              <a:t>07.08.18</a:t>
             </a:fld>
             <a:endParaRPr lang="en-GB" dirty="0"/>
           </a:p>
@@ -5548,7 +5566,7 @@
             <a:fld id="{7C4F617C-02C9-A546-8BA1-44871C7A2EF5}" type="datetime3">
               <a:rPr lang="fr-FR" smtClean="0"/>
               <a:pPr/>
-              <a:t>04.08.18</a:t>
+              <a:t>07.08.18</a:t>
             </a:fld>
             <a:endParaRPr lang="en-GB" dirty="0"/>
           </a:p>
@@ -6550,6 +6568,13 @@
   <p:transition>
     <p:fade/>
   </p:transition>
+  <p:timing>
+    <p:tnLst>
+      <p:par>
+        <p:cTn id="1" dur="indefinite" restart="never" nodeType="tmRoot"/>
+      </p:par>
+    </p:tnLst>
+  </p:timing>
 </p:sld>
 </file>
 
@@ -6692,7 +6717,7 @@
             <a:fld id="{7C4F617C-02C9-A546-8BA1-44871C7A2EF5}" type="datetime3">
               <a:rPr lang="fr-FR" smtClean="0"/>
               <a:pPr/>
-              <a:t>04.08.18</a:t>
+              <a:t>07.08.18</a:t>
             </a:fld>
             <a:endParaRPr lang="en-GB" dirty="0"/>
           </a:p>
@@ -6758,6 +6783,13 @@
   <p:transition>
     <p:fade/>
   </p:transition>
+  <p:timing>
+    <p:tnLst>
+      <p:par>
+        <p:cTn id="1" dur="indefinite" restart="never" nodeType="tmRoot"/>
+      </p:par>
+    </p:tnLst>
+  </p:timing>
 </p:sld>
 </file>
 
@@ -6971,7 +7003,7 @@
             <a:fld id="{7C4F617C-02C9-A546-8BA1-44871C7A2EF5}" type="datetime3">
               <a:rPr lang="fr-FR" smtClean="0"/>
               <a:pPr/>
-              <a:t>04.08.18</a:t>
+              <a:t>07.08.18</a:t>
             </a:fld>
             <a:endParaRPr lang="en-GB" dirty="0"/>
           </a:p>
@@ -7037,6 +7069,13 @@
   <p:transition>
     <p:fade/>
   </p:transition>
+  <p:timing>
+    <p:tnLst>
+      <p:par>
+        <p:cTn id="1" dur="indefinite" restart="never" nodeType="tmRoot"/>
+      </p:par>
+    </p:tnLst>
+  </p:timing>
 </p:sld>
 </file>
 
@@ -7191,7 +7230,7 @@
             <a:fld id="{7C4F617C-02C9-A546-8BA1-44871C7A2EF5}" type="datetime3">
               <a:rPr lang="fr-FR" smtClean="0"/>
               <a:pPr/>
-              <a:t>04.08.18</a:t>
+              <a:t>07.08.18</a:t>
             </a:fld>
             <a:endParaRPr lang="en-GB" dirty="0"/>
           </a:p>
@@ -7257,6 +7296,13 @@
   <p:transition>
     <p:fade/>
   </p:transition>
+  <p:timing>
+    <p:tnLst>
+      <p:par>
+        <p:cTn id="1" dur="indefinite" restart="never" nodeType="tmRoot"/>
+      </p:par>
+    </p:tnLst>
+  </p:timing>
 </p:sld>
 </file>
 
@@ -7514,7 +7560,7 @@
             <a:fld id="{7C4F617C-02C9-A546-8BA1-44871C7A2EF5}" type="datetime3">
               <a:rPr lang="fr-FR" smtClean="0"/>
               <a:pPr/>
-              <a:t>04.08.18</a:t>
+              <a:t>07.08.18</a:t>
             </a:fld>
             <a:endParaRPr lang="en-GB" dirty="0"/>
           </a:p>
@@ -7732,7 +7778,7 @@
             <a:fld id="{7C4F617C-02C9-A546-8BA1-44871C7A2EF5}" type="datetime3">
               <a:rPr lang="fr-FR" smtClean="0"/>
               <a:pPr/>
-              <a:t>04.08.18</a:t>
+              <a:t>07.08.18</a:t>
             </a:fld>
             <a:endParaRPr lang="en-GB" dirty="0"/>
           </a:p>
@@ -7993,7 +8039,7 @@
             <a:fld id="{7C4F617C-02C9-A546-8BA1-44871C7A2EF5}" type="datetime3">
               <a:rPr lang="fr-FR" smtClean="0"/>
               <a:pPr/>
-              <a:t>04.08.18</a:t>
+              <a:t>07.08.18</a:t>
             </a:fld>
             <a:endParaRPr lang="en-GB" dirty="0"/>
           </a:p>
@@ -8711,7 +8757,7 @@
             <a:fld id="{7C4F617C-02C9-A546-8BA1-44871C7A2EF5}" type="datetime3">
               <a:rPr lang="fr-FR" smtClean="0"/>
               <a:pPr/>
-              <a:t>04.08.18</a:t>
+              <a:t>07.08.18</a:t>
             </a:fld>
             <a:endParaRPr lang="en-GB" dirty="0"/>
           </a:p>
@@ -8985,7 +9031,7 @@
             <a:fld id="{7C4F617C-02C9-A546-8BA1-44871C7A2EF5}" type="datetime3">
               <a:rPr lang="fr-FR" smtClean="0"/>
               <a:pPr/>
-              <a:t>04.08.18</a:t>
+              <a:t>07.08.18</a:t>
             </a:fld>
             <a:endParaRPr lang="en-GB" dirty="0"/>
           </a:p>
@@ -9051,6 +9097,13 @@
   <p:transition>
     <p:fade/>
   </p:transition>
+  <p:timing>
+    <p:tnLst>
+      <p:par>
+        <p:cTn id="1" dur="indefinite" restart="never" nodeType="tmRoot"/>
+      </p:par>
+    </p:tnLst>
+  </p:timing>
 </p:sld>
 </file>
 
@@ -9187,7 +9240,7 @@
             <a:fld id="{7C4F617C-02C9-A546-8BA1-44871C7A2EF5}" type="datetime3">
               <a:rPr lang="fr-FR" smtClean="0"/>
               <a:pPr/>
-              <a:t>04.08.18</a:t>
+              <a:t>07.08.18</a:t>
             </a:fld>
             <a:endParaRPr lang="en-GB" dirty="0"/>
           </a:p>
@@ -9450,7 +9503,7 @@
             <a:fld id="{7C4F617C-02C9-A546-8BA1-44871C7A2EF5}" type="datetime3">
               <a:rPr lang="fr-FR" smtClean="0"/>
               <a:pPr/>
-              <a:t>04.08.18</a:t>
+              <a:t>07.08.18</a:t>
             </a:fld>
             <a:endParaRPr lang="en-GB" dirty="0"/>
           </a:p>
@@ -9724,7 +9777,7 @@
             <a:fld id="{7C4F617C-02C9-A546-8BA1-44871C7A2EF5}" type="datetime3">
               <a:rPr lang="fr-FR" smtClean="0"/>
               <a:pPr/>
-              <a:t>04.08.18</a:t>
+              <a:t>07.08.18</a:t>
             </a:fld>
             <a:endParaRPr lang="en-GB" dirty="0"/>
           </a:p>
@@ -9925,7 +9978,7 @@
             <a:fld id="{7C4F617C-02C9-A546-8BA1-44871C7A2EF5}" type="datetime3">
               <a:rPr lang="fr-FR" smtClean="0"/>
               <a:pPr/>
-              <a:t>04.08.18</a:t>
+              <a:t>07.08.18</a:t>
             </a:fld>
             <a:endParaRPr lang="en-GB" dirty="0"/>
           </a:p>
@@ -10222,7 +10275,7 @@
             <a:fld id="{7C4F617C-02C9-A546-8BA1-44871C7A2EF5}" type="datetime3">
               <a:rPr lang="fr-FR" smtClean="0"/>
               <a:pPr/>
-              <a:t>04.08.18</a:t>
+              <a:t>07.08.18</a:t>
             </a:fld>
             <a:endParaRPr lang="en-GB" dirty="0"/>
           </a:p>
@@ -10540,7 +10593,7 @@
             <a:fld id="{7C4F617C-02C9-A546-8BA1-44871C7A2EF5}" type="datetime3">
               <a:rPr lang="fr-FR" smtClean="0"/>
               <a:pPr/>
-              <a:t>04.08.18</a:t>
+              <a:t>07.08.18</a:t>
             </a:fld>
             <a:endParaRPr lang="en-GB" dirty="0"/>
           </a:p>
@@ -10935,7 +10988,7 @@
             <a:fld id="{7C4F617C-02C9-A546-8BA1-44871C7A2EF5}" type="datetime3">
               <a:rPr lang="fr-FR" smtClean="0"/>
               <a:pPr/>
-              <a:t>04.08.18</a:t>
+              <a:t>07.08.18</a:t>
             </a:fld>
             <a:endParaRPr lang="en-GB" dirty="0"/>
           </a:p>
@@ -11120,7 +11173,7 @@
             <a:fld id="{7C4F617C-02C9-A546-8BA1-44871C7A2EF5}" type="datetime3">
               <a:rPr lang="fr-FR" smtClean="0"/>
               <a:pPr/>
-              <a:t>04.08.18</a:t>
+              <a:t>07.08.18</a:t>
             </a:fld>
             <a:endParaRPr lang="en-GB" dirty="0"/>
           </a:p>
@@ -11430,7 +11483,7 @@
             <a:fld id="{7C4F617C-02C9-A546-8BA1-44871C7A2EF5}" type="datetime3">
               <a:rPr lang="fr-FR" smtClean="0"/>
               <a:pPr/>
-              <a:t>04.08.18</a:t>
+              <a:t>07.08.18</a:t>
             </a:fld>
             <a:endParaRPr lang="en-GB" dirty="0"/>
           </a:p>
@@ -11623,7 +11676,7 @@
             <a:fld id="{7C4F617C-02C9-A546-8BA1-44871C7A2EF5}" type="datetime3">
               <a:rPr lang="fr-FR" smtClean="0"/>
               <a:pPr/>
-              <a:t>04.08.18</a:t>
+              <a:t>07.08.18</a:t>
             </a:fld>
             <a:endParaRPr lang="en-GB" dirty="0"/>
           </a:p>
@@ -11689,6 +11742,13 @@
   <p:transition>
     <p:fade/>
   </p:transition>
+  <p:timing>
+    <p:tnLst>
+      <p:par>
+        <p:cTn id="1" dur="indefinite" restart="never" nodeType="tmRoot"/>
+      </p:par>
+    </p:tnLst>
+  </p:timing>
 </p:sld>
 </file>
 
@@ -12452,7 +12512,7 @@
             <a:fld id="{7C4F617C-02C9-A546-8BA1-44871C7A2EF5}" type="datetime3">
               <a:rPr lang="fr-FR" smtClean="0"/>
               <a:pPr/>
-              <a:t>04.08.18</a:t>
+              <a:t>07.08.18</a:t>
             </a:fld>
             <a:endParaRPr lang="en-GB" dirty="0"/>
           </a:p>
@@ -13381,7 +13441,7 @@
             <a:fld id="{7C4F617C-02C9-A546-8BA1-44871C7A2EF5}" type="datetime3">
               <a:rPr lang="fr-FR" smtClean="0"/>
               <a:pPr/>
-              <a:t>04.08.18</a:t>
+              <a:t>07.08.18</a:t>
             </a:fld>
             <a:endParaRPr lang="en-GB" dirty="0"/>
           </a:p>
@@ -13514,11 +13574,7 @@
           <a:p>
             <a:r>
               <a:rPr lang="en-IN" dirty="0" smtClean="0"/>
-              <a:t>1.1 Perform </a:t>
-            </a:r>
-            <a:r>
-              <a:rPr lang="en-IN" dirty="0" smtClean="0"/>
-              <a:t>basic arithmetic operation with given two number</a:t>
+              <a:t>1.1 Perform basic arithmetic operation with given two number</a:t>
             </a:r>
           </a:p>
           <a:p>
@@ -13606,7 +13662,7 @@
             <a:fld id="{7C4F617C-02C9-A546-8BA1-44871C7A2EF5}" type="datetime3">
               <a:rPr lang="fr-FR" smtClean="0"/>
               <a:pPr/>
-              <a:t>04.08.18</a:t>
+              <a:t>07.08.18</a:t>
             </a:fld>
             <a:endParaRPr lang="en-GB" dirty="0"/>
           </a:p>
@@ -13807,47 +13863,7 @@
             </a:pPr>
             <a:r>
               <a:rPr lang="en-IN" dirty="0" smtClean="0"/>
-              <a:t>&gt;&gt;&gt;var1 = var2 = 100</a:t>
-            </a:r>
-          </a:p>
-          <a:p>
-            <a:r>
-              <a:rPr lang="en-IN" dirty="0" smtClean="0"/>
-              <a:t>Tuple and list assignment:</a:t>
-            </a:r>
-          </a:p>
-          <a:p>
-            <a:pPr marL="0" indent="0">
-              <a:buNone/>
-            </a:pPr>
-            <a:r>
-              <a:rPr lang="en-IN" dirty="0" smtClean="0"/>
-              <a:t>&gt;&gt;&gt;</a:t>
-            </a:r>
-            <a:r>
-              <a:rPr lang="en-IN" dirty="0" err="1" smtClean="0"/>
-              <a:t>day,no</a:t>
-            </a:r>
-            <a:r>
-              <a:rPr lang="en-IN" dirty="0" smtClean="0"/>
-              <a:t> = (‘Mon’,1)</a:t>
-            </a:r>
-          </a:p>
-          <a:p>
-            <a:pPr marL="0" indent="0">
-              <a:buNone/>
-            </a:pPr>
-            <a:r>
-              <a:rPr lang="en-IN" dirty="0" smtClean="0"/>
-              <a:t>&gt;&gt;&gt;[</a:t>
-            </a:r>
-            <a:r>
-              <a:rPr lang="en-IN" dirty="0"/>
-              <a:t>d</a:t>
-            </a:r>
-            <a:r>
-              <a:rPr lang="en-IN" dirty="0" smtClean="0"/>
-              <a:t>ay, no] = [‘Mon’, 1]</a:t>
+              <a:t>&gt;&gt;&gt;var1 = var2 = 10</a:t>
             </a:r>
           </a:p>
         </p:txBody>
@@ -13870,7 +13886,7 @@
             <a:fld id="{7C4F617C-02C9-A546-8BA1-44871C7A2EF5}" type="datetime3">
               <a:rPr lang="fr-FR" smtClean="0"/>
               <a:pPr/>
-              <a:t>04.08.18</a:t>
+              <a:t>07.08.18</a:t>
             </a:fld>
             <a:endParaRPr lang="en-GB" dirty="0"/>
           </a:p>
@@ -13936,6 +13952,13 @@
   <p:transition>
     <p:fade/>
   </p:transition>
+  <p:timing>
+    <p:tnLst>
+      <p:par>
+        <p:cTn id="1" dur="indefinite" restart="never" nodeType="tmRoot"/>
+      </p:par>
+    </p:tnLst>
+  </p:timing>
 </p:sld>
 </file>
 
@@ -14157,7 +14180,7 @@
             <a:fld id="{7C4F617C-02C9-A546-8BA1-44871C7A2EF5}" type="datetime3">
               <a:rPr lang="fr-FR" smtClean="0"/>
               <a:pPr/>
-              <a:t>04.08.18</a:t>
+              <a:t>07.08.18</a:t>
             </a:fld>
             <a:endParaRPr lang="en-GB" dirty="0"/>
           </a:p>
@@ -14616,7 +14639,7 @@
             <a:fld id="{7C4F617C-02C9-A546-8BA1-44871C7A2EF5}" type="datetime3">
               <a:rPr lang="fr-FR" smtClean="0"/>
               <a:pPr/>
-              <a:t>04.08.18</a:t>
+              <a:t>07.08.18</a:t>
             </a:fld>
             <a:endParaRPr lang="en-GB" dirty="0"/>
           </a:p>
@@ -14801,11 +14824,7 @@
           <a:p>
             <a:r>
               <a:rPr lang="en-IN" dirty="0" smtClean="0"/>
-              <a:t>Chained comparison </a:t>
-            </a:r>
-            <a:r>
-              <a:rPr lang="en-IN" dirty="0" smtClean="0"/>
-              <a:t>operator</a:t>
+              <a:t>Chained comparison operator</a:t>
             </a:r>
           </a:p>
           <a:p>
@@ -14836,7 +14855,7 @@
             <a:fld id="{7C4F617C-02C9-A546-8BA1-44871C7A2EF5}" type="datetime3">
               <a:rPr lang="fr-FR" smtClean="0"/>
               <a:pPr/>
-              <a:t>04.08.18</a:t>
+              <a:t>07.08.18</a:t>
             </a:fld>
             <a:endParaRPr lang="en-GB" dirty="0"/>
           </a:p>
@@ -15067,7 +15086,7 @@
             <a:fld id="{7C4F617C-02C9-A546-8BA1-44871C7A2EF5}" type="datetime3">
               <a:rPr lang="fr-FR" smtClean="0"/>
               <a:pPr/>
-              <a:t>04.08.18</a:t>
+              <a:t>07.08.18</a:t>
             </a:fld>
             <a:endParaRPr lang="en-GB" dirty="0"/>
           </a:p>
@@ -15397,7 +15416,7 @@
             <a:fld id="{7C4F617C-02C9-A546-8BA1-44871C7A2EF5}" type="datetime3">
               <a:rPr lang="fr-FR" smtClean="0"/>
               <a:pPr/>
-              <a:t>04.08.18</a:t>
+              <a:t>07.08.18</a:t>
             </a:fld>
             <a:endParaRPr lang="en-GB" dirty="0"/>
           </a:p>
@@ -15666,7 +15685,7 @@
             <a:fld id="{7C4F617C-02C9-A546-8BA1-44871C7A2EF5}" type="datetime3">
               <a:rPr lang="fr-FR" smtClean="0"/>
               <a:pPr/>
-              <a:t>04.08.18</a:t>
+              <a:t>07.08.18</a:t>
             </a:fld>
             <a:endParaRPr lang="en-GB" dirty="0"/>
           </a:p>
@@ -16019,7 +16038,7 @@
             <a:fld id="{7C4F617C-02C9-A546-8BA1-44871C7A2EF5}" type="datetime3">
               <a:rPr lang="fr-FR" smtClean="0"/>
               <a:pPr/>
-              <a:t>04.08.18</a:t>
+              <a:t>07.08.18</a:t>
             </a:fld>
             <a:endParaRPr lang="en-GB" dirty="0"/>
           </a:p>
@@ -16228,7 +16247,7 @@
             <a:fld id="{7C4F617C-02C9-A546-8BA1-44871C7A2EF5}" type="datetime3">
               <a:rPr lang="fr-FR" smtClean="0"/>
               <a:pPr/>
-              <a:t>04.08.18</a:t>
+              <a:t>07.08.18</a:t>
             </a:fld>
             <a:endParaRPr lang="en-GB" dirty="0"/>
           </a:p>
@@ -16374,11 +16393,7 @@
             </a:r>
             <a:r>
               <a:rPr lang="en-IN" dirty="0" smtClean="0"/>
-              <a:t>Print </a:t>
-            </a:r>
-            <a:r>
-              <a:rPr lang="en-IN" dirty="0" smtClean="0"/>
-              <a:t>number * 2 from a given list using for loop</a:t>
+              <a:t>Print number * 2 from a given list using for loop</a:t>
             </a:r>
           </a:p>
           <a:p>
@@ -16436,11 +16451,7 @@
             </a:r>
             <a:r>
               <a:rPr lang="en-IN" dirty="0" smtClean="0"/>
-              <a:t>Calculate </a:t>
-            </a:r>
-            <a:r>
-              <a:rPr lang="en-IN" dirty="0" smtClean="0"/>
-              <a:t>the total sum of the list items</a:t>
+              <a:t>Calculate the total sum of the list items</a:t>
             </a:r>
           </a:p>
           <a:p>
@@ -16462,11 +16473,7 @@
             </a:r>
             <a:r>
               <a:rPr lang="en-IN" dirty="0" smtClean="0"/>
-              <a:t>Print </a:t>
-            </a:r>
-            <a:r>
-              <a:rPr lang="en-IN" dirty="0" smtClean="0"/>
-              <a:t>the vowels from a given string</a:t>
+              <a:t>Print the vowels from a given string</a:t>
             </a:r>
           </a:p>
           <a:p>
@@ -16488,11 +16495,7 @@
             </a:r>
             <a:r>
               <a:rPr lang="en-IN" dirty="0" smtClean="0"/>
-              <a:t>Print </a:t>
-            </a:r>
-            <a:r>
-              <a:rPr lang="en-IN" dirty="0" smtClean="0"/>
-              <a:t>items of a tuple using for loop</a:t>
+              <a:t>Print items of a tuple using for loop</a:t>
             </a:r>
           </a:p>
           <a:p>
@@ -16514,17 +16517,8 @@
             </a:r>
             <a:r>
               <a:rPr lang="en-IN" dirty="0" smtClean="0"/>
-              <a:t>Print </a:t>
-            </a:r>
-            <a:r>
-              <a:rPr lang="en-IN" dirty="0" smtClean="0"/>
-              <a:t>items of a </a:t>
-            </a:r>
-            <a:r>
-              <a:rPr lang="en-IN" dirty="0" smtClean="0"/>
-              <a:t>dictionary</a:t>
-            </a:r>
-            <a:endParaRPr lang="en-IN" dirty="0" smtClean="0"/>
+              <a:t>Print items of a dictionary</a:t>
+            </a:r>
           </a:p>
           <a:p>
             <a:endParaRPr lang="en-IN" dirty="0"/>
@@ -16558,7 +16552,7 @@
             <a:fld id="{7C4F617C-02C9-A546-8BA1-44871C7A2EF5}" type="datetime3">
               <a:rPr lang="fr-FR" smtClean="0"/>
               <a:pPr/>
-              <a:t>04.08.18</a:t>
+              <a:t>07.08.18</a:t>
             </a:fld>
             <a:endParaRPr lang="en-GB" dirty="0"/>
           </a:p>
@@ -16726,11 +16720,28 @@
             </a:r>
             <a:r>
               <a:rPr lang="en-IN" dirty="0"/>
-              <a:t>'   create list of characters as follows :	['b'. 'y', 'c</a:t>
-            </a:r>
-            <a:r>
-              <a:rPr lang="en-IN" dirty="0" smtClean="0"/>
-              <a:t>']. Hint : </a:t>
+              <a:t>'   create list of characters as follows </a:t>
+            </a:r>
+            <a:r>
+              <a:rPr lang="en-IN" dirty="0" smtClean="0"/>
+              <a:t>: [</a:t>
+            </a:r>
+            <a:r>
+              <a:rPr lang="en-IN" dirty="0"/>
+              <a:t>'b'. 'y', 'c</a:t>
+            </a:r>
+            <a:r>
+              <a:rPr lang="en-IN" dirty="0" smtClean="0"/>
+              <a:t>'].</a:t>
+            </a:r>
+          </a:p>
+          <a:p>
+            <a:pPr marL="0" indent="0">
+              <a:buNone/>
+            </a:pPr>
+            <a:r>
+              <a:rPr lang="en-IN" dirty="0" smtClean="0"/>
+              <a:t>+Hint : </a:t>
             </a:r>
             <a:r>
               <a:rPr lang="en-IN" dirty="0" err="1" smtClean="0"/>
@@ -16973,7 +16984,7 @@
             <a:fld id="{7C4F617C-02C9-A546-8BA1-44871C7A2EF5}" type="datetime3">
               <a:rPr lang="fr-FR" smtClean="0"/>
               <a:pPr/>
-              <a:t>04.08.18</a:t>
+              <a:t>07.08.18</a:t>
             </a:fld>
             <a:endParaRPr lang="en-GB" dirty="0"/>
           </a:p>
@@ -17123,11 +17134,7 @@
             </a:r>
             <a:r>
               <a:rPr lang="en-IN" dirty="0" smtClean="0"/>
-              <a:t>Find </a:t>
-            </a:r>
-            <a:r>
-              <a:rPr lang="en-IN" dirty="0" smtClean="0"/>
-              <a:t>the count of a character in a string.</a:t>
+              <a:t>Find the count of a character in a string.</a:t>
             </a:r>
           </a:p>
           <a:p>
@@ -17153,7 +17160,7 @@
             <a:fld id="{7C4F617C-02C9-A546-8BA1-44871C7A2EF5}" type="datetime3">
               <a:rPr lang="fr-FR" smtClean="0"/>
               <a:pPr/>
-              <a:t>04.08.18</a:t>
+              <a:t>07.08.18</a:t>
             </a:fld>
             <a:endParaRPr lang="en-GB" dirty="0"/>
           </a:p>
@@ -17525,7 +17532,7 @@
             <a:fld id="{7C4F617C-02C9-A546-8BA1-44871C7A2EF5}" type="datetime3">
               <a:rPr lang="fr-FR" smtClean="0"/>
               <a:pPr/>
-              <a:t>04.08.18</a:t>
+              <a:t>07.08.18</a:t>
             </a:fld>
             <a:endParaRPr lang="en-GB" dirty="0"/>
           </a:p>
@@ -17671,12 +17678,52 @@
             </a:r>
             <a:r>
               <a:rPr lang="en-IN" dirty="0" smtClean="0"/>
-              <a:t>Make </a:t>
-            </a:r>
-            <a:r>
-              <a:rPr lang="en-IN" dirty="0" smtClean="0"/>
-              <a:t>a list containing every word from a given string</a:t>
-            </a:r>
+              <a:t>Make a list containing every </a:t>
+            </a:r>
+            <a:r>
+              <a:rPr lang="en-IN" dirty="0" smtClean="0"/>
+              <a:t>character from </a:t>
+            </a:r>
+            <a:r>
+              <a:rPr lang="en-IN" dirty="0" smtClean="0"/>
+              <a:t>a given </a:t>
+            </a:r>
+            <a:r>
+              <a:rPr lang="en-IN" dirty="0" smtClean="0"/>
+              <a:t>string</a:t>
+            </a:r>
+          </a:p>
+          <a:p>
+            <a:pPr marL="0" indent="0">
+              <a:buNone/>
+            </a:pPr>
+            <a:r>
+              <a:rPr lang="en-IN" dirty="0"/>
+              <a:t>	</a:t>
+            </a:r>
+            <a:r>
+              <a:rPr lang="en-IN" dirty="0" smtClean="0"/>
+              <a:t>‘Captain’ </a:t>
+            </a:r>
+            <a:r>
+              <a:rPr lang="en-IN" dirty="0" smtClean="0">
+                <a:sym typeface="Wingdings" panose="05000000000000000000" pitchFamily="2" charset="2"/>
+              </a:rPr>
+              <a:t> [‘C’, ‘a’ ,’p’, ‘t’,’a’,’</a:t>
+            </a:r>
+            <a:r>
+              <a:rPr lang="en-IN" dirty="0" err="1" smtClean="0">
+                <a:sym typeface="Wingdings" panose="05000000000000000000" pitchFamily="2" charset="2"/>
+              </a:rPr>
+              <a:t>i</a:t>
+            </a:r>
+            <a:r>
+              <a:rPr lang="en-IN" dirty="0" smtClean="0">
+                <a:sym typeface="Wingdings" panose="05000000000000000000" pitchFamily="2" charset="2"/>
+              </a:rPr>
+              <a:t>’, ‘n’]</a:t>
+            </a:r>
+            <a:endParaRPr lang="en-IN" dirty="0" smtClean="0"/>
           </a:p>
           <a:p>
             <a:endParaRPr lang="en-IN" dirty="0" smtClean="0"/>
@@ -17697,12 +17744,32 @@
             </a:r>
             <a:r>
               <a:rPr lang="en-IN" dirty="0" smtClean="0"/>
-              <a:t>Make </a:t>
-            </a:r>
-            <a:r>
-              <a:rPr lang="en-IN" dirty="0" smtClean="0"/>
-              <a:t>a list containing upper case word from a given string</a:t>
-            </a:r>
+              <a:t>Make a list containing upper case word from a given </a:t>
+            </a:r>
+            <a:r>
+              <a:rPr lang="en-IN" dirty="0" smtClean="0"/>
+              <a:t>string.</a:t>
+            </a:r>
+          </a:p>
+          <a:p>
+            <a:pPr marL="0" indent="0">
+              <a:buNone/>
+            </a:pPr>
+            <a:r>
+              <a:rPr lang="en-IN" dirty="0"/>
+              <a:t>	</a:t>
+            </a:r>
+            <a:r>
+              <a:rPr lang="en-IN" dirty="0" smtClean="0"/>
+              <a:t>‘captain’ </a:t>
+            </a:r>
+            <a:r>
+              <a:rPr lang="en-IN" dirty="0" smtClean="0">
+                <a:sym typeface="Wingdings" panose="05000000000000000000" pitchFamily="2" charset="2"/>
+              </a:rPr>
+              <a:t> [‘C’, ‘A’, ‘T’, ‘A’, ‘I’, ‘N’ ]</a:t>
+            </a:r>
+            <a:endParaRPr lang="en-IN" dirty="0" smtClean="0"/>
           </a:p>
           <a:p>
             <a:endParaRPr lang="en-IN" dirty="0" smtClean="0"/>
@@ -17723,14 +17790,37 @@
             </a:r>
             <a:r>
               <a:rPr lang="en-IN" dirty="0" smtClean="0"/>
-              <a:t>Create </a:t>
-            </a:r>
-            <a:r>
-              <a:rPr lang="en-IN" dirty="0" smtClean="0"/>
-              <a:t>a list containing only even numbers from a given list</a:t>
-            </a:r>
-          </a:p>
-          <a:p>
+              <a:t>Create a list containing only even numbers from a given </a:t>
+            </a:r>
+            <a:r>
+              <a:rPr lang="en-IN" dirty="0" smtClean="0"/>
+              <a:t>list.</a:t>
+            </a:r>
+          </a:p>
+          <a:p>
+            <a:pPr marL="0" indent="0">
+              <a:buNone/>
+            </a:pPr>
+            <a:r>
+              <a:rPr lang="en-IN" dirty="0"/>
+              <a:t>	</a:t>
+            </a:r>
+            <a:r>
+              <a:rPr lang="en-IN" dirty="0" smtClean="0"/>
+              <a:t>‘[1,2,3,4,5,6]’ </a:t>
+            </a:r>
+            <a:r>
+              <a:rPr lang="en-IN" dirty="0" smtClean="0">
+                <a:sym typeface="Wingdings" panose="05000000000000000000" pitchFamily="2" charset="2"/>
+              </a:rPr>
+              <a:t> [2,4,6]</a:t>
+            </a:r>
+            <a:endParaRPr lang="en-IN" dirty="0" smtClean="0"/>
+          </a:p>
+          <a:p>
+            <a:pPr marL="0" indent="0">
+              <a:buNone/>
+            </a:pPr>
             <a:endParaRPr lang="en-IN" dirty="0" smtClean="0"/>
           </a:p>
           <a:p>
@@ -17749,14 +17839,23 @@
             </a:r>
             <a:r>
               <a:rPr lang="en-IN" dirty="0" smtClean="0"/>
-              <a:t>Convert </a:t>
-            </a:r>
-            <a:r>
-              <a:rPr lang="en-IN" dirty="0" smtClean="0"/>
-              <a:t>F to C of a list of F temperature</a:t>
-            </a:r>
-          </a:p>
-          <a:p>
+              <a:t>Convert F to C of a list of F temperature</a:t>
+            </a:r>
+          </a:p>
+          <a:p>
+            <a:pPr marL="0" indent="0">
+              <a:buNone/>
+            </a:pPr>
+            <a:r>
+              <a:rPr lang="en-IN" dirty="0" smtClean="0"/>
+              <a:t>	[100, 200,300] </a:t>
+            </a:r>
+            <a:r>
+              <a:rPr lang="en-IN" dirty="0" smtClean="0">
+                <a:sym typeface="Wingdings" panose="05000000000000000000" pitchFamily="2" charset="2"/>
+              </a:rPr>
+              <a:t> [T1F, T2F, T3F]</a:t>
+            </a:r>
             <a:endParaRPr lang="en-IN" dirty="0" smtClean="0"/>
           </a:p>
           <a:p>
@@ -17775,12 +17874,22 @@
             </a:r>
             <a:r>
               <a:rPr lang="en-IN" dirty="0" smtClean="0"/>
-              <a:t>Nested </a:t>
-            </a:r>
-            <a:r>
-              <a:rPr lang="en-IN" dirty="0" smtClean="0"/>
-              <a:t>List comprehension</a:t>
-            </a:r>
+              <a:t>Nested List </a:t>
+            </a:r>
+            <a:r>
+              <a:rPr lang="en-IN" dirty="0" smtClean="0"/>
+              <a:t>comprehension</a:t>
+            </a:r>
+          </a:p>
+          <a:p>
+            <a:pPr marL="0" indent="0">
+              <a:buNone/>
+            </a:pPr>
+            <a:r>
+              <a:rPr lang="en-IN" dirty="0"/>
+              <a:t>	</a:t>
+            </a:r>
+            <a:endParaRPr lang="en-IN" dirty="0" smtClean="0"/>
           </a:p>
           <a:p>
             <a:pPr marL="0" indent="0">
@@ -17808,7 +17917,7 @@
             <a:fld id="{7C4F617C-02C9-A546-8BA1-44871C7A2EF5}" type="datetime3">
               <a:rPr lang="fr-FR" smtClean="0"/>
               <a:pPr/>
-              <a:t>04.08.18</a:t>
+              <a:t>07.08.18</a:t>
             </a:fld>
             <a:endParaRPr lang="en-GB" dirty="0"/>
           </a:p>
@@ -18025,7 +18134,7 @@
             <a:fld id="{7C4F617C-02C9-A546-8BA1-44871C7A2EF5}" type="datetime3">
               <a:rPr lang="fr-FR" smtClean="0"/>
               <a:pPr/>
-              <a:t>04.08.18</a:t>
+              <a:t>07.08.18</a:t>
             </a:fld>
             <a:endParaRPr lang="en-GB" dirty="0"/>
           </a:p>
@@ -18344,7 +18453,7 @@
             <a:fld id="{7C4F617C-02C9-A546-8BA1-44871C7A2EF5}" type="datetime3">
               <a:rPr lang="fr-FR" smtClean="0"/>
               <a:pPr/>
-              <a:t>04.08.18</a:t>
+              <a:t>07.08.18</a:t>
             </a:fld>
             <a:endParaRPr lang="en-GB" dirty="0"/>
           </a:p>
@@ -18641,7 +18750,7 @@
             <a:fld id="{7C4F617C-02C9-A546-8BA1-44871C7A2EF5}" type="datetime3">
               <a:rPr lang="fr-FR" smtClean="0"/>
               <a:pPr/>
-              <a:t>04.08.18</a:t>
+              <a:t>07.08.18</a:t>
             </a:fld>
             <a:endParaRPr lang="en-GB" dirty="0"/>
           </a:p>
@@ -19023,7 +19132,7 @@
             <a:fld id="{7C4F617C-02C9-A546-8BA1-44871C7A2EF5}" type="datetime3">
               <a:rPr lang="fr-FR" smtClean="0"/>
               <a:pPr/>
-              <a:t>04.08.18</a:t>
+              <a:t>07.08.18</a:t>
             </a:fld>
             <a:endParaRPr lang="en-GB" dirty="0"/>
           </a:p>
@@ -19475,7 +19584,7 @@
             <a:fld id="{7C4F617C-02C9-A546-8BA1-44871C7A2EF5}" type="datetime3">
               <a:rPr lang="fr-FR" smtClean="0"/>
               <a:pPr/>
-              <a:t>04.08.18</a:t>
+              <a:t>07.08.18</a:t>
             </a:fld>
             <a:endParaRPr lang="en-GB" dirty="0"/>
           </a:p>
@@ -19685,7 +19794,7 @@
             <a:fld id="{7C4F617C-02C9-A546-8BA1-44871C7A2EF5}" type="datetime3">
               <a:rPr lang="fr-FR" smtClean="0"/>
               <a:pPr/>
-              <a:t>04.08.18</a:t>
+              <a:t>07.08.18</a:t>
             </a:fld>
             <a:endParaRPr lang="en-GB" dirty="0"/>
           </a:p>
@@ -20013,7 +20122,7 @@
             <a:fld id="{7C4F617C-02C9-A546-8BA1-44871C7A2EF5}" type="datetime3">
               <a:rPr lang="fr-FR" smtClean="0"/>
               <a:pPr/>
-              <a:t>04.08.18</a:t>
+              <a:t>07.08.18</a:t>
             </a:fld>
             <a:endParaRPr lang="en-GB" dirty="0"/>
           </a:p>
@@ -20399,7 +20508,7 @@
             <a:fld id="{7C4F617C-02C9-A546-8BA1-44871C7A2EF5}" type="datetime3">
               <a:rPr lang="fr-FR" smtClean="0"/>
               <a:pPr/>
-              <a:t>04.08.18</a:t>
+              <a:t>07.08.18</a:t>
             </a:fld>
             <a:endParaRPr lang="en-GB" dirty="0"/>
           </a:p>
@@ -20718,7 +20827,7 @@
             <a:fld id="{7C4F617C-02C9-A546-8BA1-44871C7A2EF5}" type="datetime3">
               <a:rPr lang="fr-FR" smtClean="0"/>
               <a:pPr/>
-              <a:t>04.08.18</a:t>
+              <a:t>07.08.18</a:t>
             </a:fld>
             <a:endParaRPr lang="en-GB" dirty="0"/>
           </a:p>
@@ -20888,17 +20997,8 @@
               <a:rPr lang="en-IN" dirty="0" smtClean="0">
                 <a:sym typeface="Wingdings" panose="05000000000000000000" pitchFamily="2" charset="2"/>
               </a:rPr>
-              <a:t>They can be returned from one function to another</a:t>
-            </a:r>
-            <a:r>
-              <a:rPr lang="en-IN" dirty="0" smtClean="0">
-                <a:sym typeface="Wingdings" panose="05000000000000000000" pitchFamily="2" charset="2"/>
-              </a:rPr>
-              <a:t>.</a:t>
-            </a:r>
-            <a:endParaRPr lang="en-IN" dirty="0" smtClean="0">
-              <a:sym typeface="Wingdings" panose="05000000000000000000" pitchFamily="2" charset="2"/>
-            </a:endParaRPr>
+              <a:t>They can be returned from one function to another.</a:t>
+            </a:r>
           </a:p>
         </p:txBody>
       </p:sp>
@@ -20920,7 +21020,7 @@
             <a:fld id="{7C4F617C-02C9-A546-8BA1-44871C7A2EF5}" type="datetime3">
               <a:rPr lang="fr-FR" smtClean="0"/>
               <a:pPr/>
-              <a:t>04.08.18</a:t>
+              <a:t>07.08.18</a:t>
             </a:fld>
             <a:endParaRPr lang="en-GB" dirty="0"/>
           </a:p>
@@ -21238,7 +21338,7 @@
             <a:fld id="{7C4F617C-02C9-A546-8BA1-44871C7A2EF5}" type="datetime3">
               <a:rPr lang="fr-FR" smtClean="0"/>
               <a:pPr/>
-              <a:t>04.08.18</a:t>
+              <a:t>07.08.18</a:t>
             </a:fld>
             <a:endParaRPr lang="en-GB" dirty="0"/>
           </a:p>
@@ -21616,7 +21716,7 @@
             <a:fld id="{7C4F617C-02C9-A546-8BA1-44871C7A2EF5}" type="datetime3">
               <a:rPr lang="fr-FR" smtClean="0"/>
               <a:pPr/>
-              <a:t>04.08.18</a:t>
+              <a:t>07.08.18</a:t>
             </a:fld>
             <a:endParaRPr lang="en-GB" dirty="0"/>
           </a:p>
@@ -21929,7 +22029,7 @@
             <a:fld id="{7C4F617C-02C9-A546-8BA1-44871C7A2EF5}" type="datetime3">
               <a:rPr lang="fr-FR" smtClean="0"/>
               <a:pPr/>
-              <a:t>04.08.18</a:t>
+              <a:t>07.08.18</a:t>
             </a:fld>
             <a:endParaRPr lang="en-GB" dirty="0"/>
           </a:p>
@@ -22179,7 +22279,7 @@
             <a:fld id="{7C4F617C-02C9-A546-8BA1-44871C7A2EF5}" type="datetime3">
               <a:rPr lang="fr-FR" smtClean="0"/>
               <a:pPr/>
-              <a:t>04.08.18</a:t>
+              <a:t>07.08.18</a:t>
             </a:fld>
             <a:endParaRPr lang="en-GB" dirty="0"/>
           </a:p>
@@ -22427,7 +22527,7 @@
             <a:fld id="{7C4F617C-02C9-A546-8BA1-44871C7A2EF5}" type="datetime3">
               <a:rPr lang="fr-FR" smtClean="0"/>
               <a:pPr/>
-              <a:t>04.08.18</a:t>
+              <a:t>07.08.18</a:t>
             </a:fld>
             <a:endParaRPr lang="en-GB" dirty="0"/>
           </a:p>
@@ -22635,7 +22735,7 @@
             <a:fld id="{7C4F617C-02C9-A546-8BA1-44871C7A2EF5}" type="datetime3">
               <a:rPr lang="fr-FR" smtClean="0"/>
               <a:pPr/>
-              <a:t>04.08.18</a:t>
+              <a:t>07.08.18</a:t>
             </a:fld>
             <a:endParaRPr lang="en-GB" dirty="0"/>
           </a:p>
@@ -22878,7 +22978,7 @@
             <a:fld id="{7C4F617C-02C9-A546-8BA1-44871C7A2EF5}" type="datetime3">
               <a:rPr lang="fr-FR" smtClean="0"/>
               <a:pPr/>
-              <a:t>04.08.18</a:t>
+              <a:t>07.08.18</a:t>
             </a:fld>
             <a:endParaRPr lang="en-GB" dirty="0"/>
           </a:p>
@@ -23112,15 +23212,7 @@
           <a:p>
             <a:r>
               <a:rPr lang="en-IN" dirty="0" smtClean="0"/>
-              <a:t>The interactive session automatically prints the result of typed expression, thus it is usually not need to say “print” </a:t>
-            </a:r>
-            <a:r>
-              <a:rPr lang="en-IN" dirty="0" smtClean="0"/>
-              <a:t>explicitly </a:t>
-            </a:r>
-            <a:r>
-              <a:rPr lang="en-IN" dirty="0" smtClean="0"/>
-              <a:t>at the prompt. </a:t>
+              <a:t>The interactive session automatically prints the result of typed expression, thus it is usually not need to say “print” explicitly at the prompt. </a:t>
             </a:r>
           </a:p>
           <a:p>
@@ -23169,7 +23261,7 @@
             <a:fld id="{7C4F617C-02C9-A546-8BA1-44871C7A2EF5}" type="datetime3">
               <a:rPr lang="fr-FR" smtClean="0"/>
               <a:pPr/>
-              <a:t>04.08.18</a:t>
+              <a:t>07.08.18</a:t>
             </a:fld>
             <a:endParaRPr lang="en-GB" dirty="0"/>
           </a:p>
@@ -23235,6 +23327,13 @@
   <p:transition>
     <p:fade/>
   </p:transition>
+  <p:timing>
+    <p:tnLst>
+      <p:par>
+        <p:cTn id="1" dur="indefinite" restart="never" nodeType="tmRoot"/>
+      </p:par>
+    </p:tnLst>
+  </p:timing>
 </p:sld>
 </file>
 
@@ -23295,13 +23394,8 @@
           <a:p>
             <a:r>
               <a:rPr lang="en-IN" dirty="0" smtClean="0"/>
-              <a:t>Program can be saved permanently by writing code in files – usually called </a:t>
-            </a:r>
-            <a:r>
-              <a:rPr lang="en-IN" dirty="0" smtClean="0"/>
-              <a:t>modules/scripts.</a:t>
-            </a:r>
-            <a:endParaRPr lang="en-IN" dirty="0" smtClean="0"/>
+              <a:t>Program can be saved permanently by writing code in files – usually called modules/scripts.</a:t>
+            </a:r>
           </a:p>
           <a:p>
             <a:r>
@@ -23382,7 +23476,7 @@
             <a:fld id="{7C4F617C-02C9-A546-8BA1-44871C7A2EF5}" type="datetime3">
               <a:rPr lang="fr-FR" smtClean="0"/>
               <a:pPr/>
-              <a:t>04.08.18</a:t>
+              <a:t>07.08.18</a:t>
             </a:fld>
             <a:endParaRPr lang="en-GB" dirty="0"/>
           </a:p>
@@ -23448,6 +23542,13 @@
   <p:transition>
     <p:fade/>
   </p:transition>
+  <p:timing>
+    <p:tnLst>
+      <p:par>
+        <p:cTn id="1" dur="indefinite" restart="never" nodeType="tmRoot"/>
+      </p:par>
+    </p:tnLst>
+  </p:timing>
 </p:sld>
 </file>
 

--- a/PPT/Introduction To Python Day 1.pptx
+++ b/PPT/Introduction To Python Day 1.pptx
@@ -324,7 +324,7 @@
             <a:fld id="{6E5FB1B1-8ECF-4161-91D4-0AB97A4DAD52}" type="datetimeFigureOut">
               <a:rPr lang="en-GB" smtClean="0"/>
               <a:pPr/>
-              <a:t>07/08/2018</a:t>
+              <a:t>11/11/2018</a:t>
             </a:fld>
             <a:endParaRPr lang="en-GB"/>
           </a:p>
@@ -492,7 +492,7 @@
             <a:fld id="{6D778BAB-19BB-4B08-9F41-8B8D270E8CBF}" type="datetimeFigureOut">
               <a:rPr lang="en-GB" smtClean="0"/>
               <a:pPr/>
-              <a:t>07/08/2018</a:t>
+              <a:t>11/11/2018</a:t>
             </a:fld>
             <a:endParaRPr lang="en-GB"/>
           </a:p>
@@ -1002,6 +1002,99 @@
           <a:bodyPr/>
           <a:lstStyle/>
           <a:p>
+            <a:r>
+              <a:rPr lang="en-IN" dirty="0" err="1" smtClean="0"/>
+              <a:t>lst</a:t>
+            </a:r>
+            <a:r>
+              <a:rPr lang="en-IN" dirty="0" smtClean="0"/>
+              <a:t> = [ x**2 for x in [x**2 for x in range(11)]]</a:t>
+            </a:r>
+            <a:endParaRPr lang="fr-FR" dirty="0"/>
+          </a:p>
+        </p:txBody>
+      </p:sp>
+      <p:sp>
+        <p:nvSpPr>
+          <p:cNvPr id="4" name="Slide Number Placeholder 3"/>
+          <p:cNvSpPr>
+            <a:spLocks noGrp="1"/>
+          </p:cNvSpPr>
+          <p:nvPr>
+            <p:ph type="sldNum" sz="quarter" idx="10"/>
+          </p:nvPr>
+        </p:nvSpPr>
+        <p:spPr/>
+        <p:txBody>
+          <a:bodyPr/>
+          <a:lstStyle/>
+          <a:p>
+            <a:fld id="{B13FE0EB-CBF4-4E83-B4D9-7E05B4065DBC}" type="slidenum">
+              <a:rPr lang="en-GB" smtClean="0"/>
+              <a:pPr/>
+              <a:t>46</a:t>
+            </a:fld>
+            <a:endParaRPr lang="en-GB"/>
+          </a:p>
+        </p:txBody>
+      </p:sp>
+    </p:spTree>
+    <p:extLst>
+      <p:ext uri="{BB962C8B-B14F-4D97-AF65-F5344CB8AC3E}">
+        <p14:creationId xmlns:p14="http://schemas.microsoft.com/office/powerpoint/2010/main" val="2631684876"/>
+      </p:ext>
+    </p:extLst>
+  </p:cSld>
+  <p:clrMapOvr>
+    <a:masterClrMapping/>
+  </p:clrMapOvr>
+</p:notes>
+</file>
+
+<file path=ppt/notesSlides/notesSlide11.xml><?xml version="1.0" encoding="utf-8"?>
+<p:notes xmlns:a="http://schemas.openxmlformats.org/drawingml/2006/main" xmlns:r="http://schemas.openxmlformats.org/officeDocument/2006/relationships" xmlns:p="http://schemas.openxmlformats.org/presentationml/2006/main">
+  <p:cSld>
+    <p:spTree>
+      <p:nvGrpSpPr>
+        <p:cNvPr id="1" name=""/>
+        <p:cNvGrpSpPr/>
+        <p:nvPr/>
+      </p:nvGrpSpPr>
+      <p:grpSpPr>
+        <a:xfrm>
+          <a:off x="0" y="0"/>
+          <a:ext cx="0" cy="0"/>
+          <a:chOff x="0" y="0"/>
+          <a:chExt cx="0" cy="0"/>
+        </a:xfrm>
+      </p:grpSpPr>
+      <p:sp>
+        <p:nvSpPr>
+          <p:cNvPr id="2" name="Slide Image Placeholder 1"/>
+          <p:cNvSpPr>
+            <a:spLocks noGrp="1" noRot="1" noChangeAspect="1"/>
+          </p:cNvSpPr>
+          <p:nvPr>
+            <p:ph type="sldImg"/>
+          </p:nvPr>
+        </p:nvSpPr>
+        <p:spPr/>
+      </p:sp>
+      <p:sp>
+        <p:nvSpPr>
+          <p:cNvPr id="3" name="Notes Placeholder 2"/>
+          <p:cNvSpPr>
+            <a:spLocks noGrp="1"/>
+          </p:cNvSpPr>
+          <p:nvPr>
+            <p:ph type="body" idx="1"/>
+          </p:nvPr>
+        </p:nvSpPr>
+        <p:spPr/>
+        <p:txBody>
+          <a:bodyPr/>
+          <a:lstStyle/>
+          <a:p>
             <a:endParaRPr lang="fr-FR" dirty="0"/>
           </a:p>
         </p:txBody>
@@ -1089,7 +1182,7 @@
           <a:p>
             <a:r>
               <a:rPr lang="en-IN" dirty="0" smtClean="0"/>
-              <a:t>PEP : Python enhancement proposal</a:t>
+              <a:t>Byte code is saved in files only for files that are imported, not the top-level files of a program that are only run as scripts – its an import optimization</a:t>
             </a:r>
             <a:endParaRPr lang="fr-FR" dirty="0"/>
           </a:p>
@@ -1113,7 +1206,7 @@
             <a:fld id="{B13FE0EB-CBF4-4E83-B4D9-7E05B4065DBC}" type="slidenum">
               <a:rPr lang="en-GB" smtClean="0"/>
               <a:pPr/>
-              <a:t>12</a:t>
+              <a:t>10</a:t>
             </a:fld>
             <a:endParaRPr lang="en-GB"/>
           </a:p>
@@ -1122,7 +1215,7 @@
     </p:spTree>
     <p:extLst>
       <p:ext uri="{BB962C8B-B14F-4D97-AF65-F5344CB8AC3E}">
-        <p14:creationId xmlns:p14="http://schemas.microsoft.com/office/powerpoint/2010/main" val="926447757"/>
+        <p14:creationId xmlns:p14="http://schemas.microsoft.com/office/powerpoint/2010/main" val="1956115810"/>
       </p:ext>
     </p:extLst>
   </p:cSld>
@@ -1178,11 +1271,7 @@
           <a:p>
             <a:r>
               <a:rPr lang="en-IN" dirty="0" smtClean="0"/>
-              <a:t>Reverse String</a:t>
-            </a:r>
-            <a:r>
-              <a:rPr lang="en-IN" baseline="0" dirty="0" smtClean="0"/>
-              <a:t> : [::-1]</a:t>
+              <a:t>PEP : Python enhancement proposal</a:t>
             </a:r>
             <a:endParaRPr lang="fr-FR" dirty="0"/>
           </a:p>
@@ -1206,7 +1295,7 @@
             <a:fld id="{B13FE0EB-CBF4-4E83-B4D9-7E05B4065DBC}" type="slidenum">
               <a:rPr lang="en-GB" smtClean="0"/>
               <a:pPr/>
-              <a:t>17</a:t>
+              <a:t>12</a:t>
             </a:fld>
             <a:endParaRPr lang="en-GB"/>
           </a:p>
@@ -1215,7 +1304,7 @@
     </p:spTree>
     <p:extLst>
       <p:ext uri="{BB962C8B-B14F-4D97-AF65-F5344CB8AC3E}">
-        <p14:creationId xmlns:p14="http://schemas.microsoft.com/office/powerpoint/2010/main" val="3149803176"/>
+        <p14:creationId xmlns:p14="http://schemas.microsoft.com/office/powerpoint/2010/main" val="926447757"/>
       </p:ext>
     </p:extLst>
   </p:cSld>
@@ -1271,32 +1360,13 @@
           <a:p>
             <a:r>
               <a:rPr lang="en-IN" dirty="0" smtClean="0"/>
-              <a:t>S = “</a:t>
-            </a:r>
-            <a:r>
-              <a:rPr lang="en-IN" dirty="0" err="1" smtClean="0"/>
-              <a:t>Arj</a:t>
-            </a:r>
-            <a:r>
-              <a:rPr lang="en-IN" dirty="0" smtClean="0"/>
-              <a:t>”</a:t>
-            </a:r>
-          </a:p>
-          <a:p>
-            <a:r>
-              <a:rPr lang="en-IN" dirty="0" smtClean="0"/>
-              <a:t>Dir(S)</a:t>
-            </a:r>
-          </a:p>
-          <a:p>
-            <a:r>
-              <a:rPr lang="en-IN" dirty="0" err="1" smtClean="0"/>
-              <a:t>s.upper</a:t>
-            </a:r>
-            <a:r>
-              <a:rPr lang="en-IN" dirty="0" smtClean="0"/>
-              <a:t>().__doc__</a:t>
-            </a:r>
+              <a:t>Reverse String</a:t>
+            </a:r>
+            <a:r>
+              <a:rPr lang="en-IN" baseline="0" dirty="0" smtClean="0"/>
+              <a:t> : [::-1]</a:t>
+            </a:r>
+            <a:endParaRPr lang="fr-FR" dirty="0"/>
           </a:p>
         </p:txBody>
       </p:sp>
@@ -1318,7 +1388,7 @@
             <a:fld id="{B13FE0EB-CBF4-4E83-B4D9-7E05B4065DBC}" type="slidenum">
               <a:rPr lang="en-GB" smtClean="0"/>
               <a:pPr/>
-              <a:t>19</a:t>
+              <a:t>17</a:t>
             </a:fld>
             <a:endParaRPr lang="en-GB"/>
           </a:p>
@@ -1327,7 +1397,7 @@
     </p:spTree>
     <p:extLst>
       <p:ext uri="{BB962C8B-B14F-4D97-AF65-F5344CB8AC3E}">
-        <p14:creationId xmlns:p14="http://schemas.microsoft.com/office/powerpoint/2010/main" val="1134005292"/>
+        <p14:creationId xmlns:p14="http://schemas.microsoft.com/office/powerpoint/2010/main" val="3149803176"/>
       </p:ext>
     </p:extLst>
   </p:cSld>
@@ -1383,13 +1453,32 @@
           <a:p>
             <a:r>
               <a:rPr lang="en-IN" dirty="0" smtClean="0"/>
-              <a:t>Show</a:t>
-            </a:r>
-            <a:r>
-              <a:rPr lang="en-IN" baseline="0" dirty="0" smtClean="0"/>
-              <a:t> + and * example of list</a:t>
-            </a:r>
-            <a:endParaRPr lang="fr-FR" dirty="0"/>
+              <a:t>S = “</a:t>
+            </a:r>
+            <a:r>
+              <a:rPr lang="en-IN" dirty="0" err="1" smtClean="0"/>
+              <a:t>Arj</a:t>
+            </a:r>
+            <a:r>
+              <a:rPr lang="en-IN" dirty="0" smtClean="0"/>
+              <a:t>”</a:t>
+            </a:r>
+          </a:p>
+          <a:p>
+            <a:r>
+              <a:rPr lang="en-IN" dirty="0" smtClean="0"/>
+              <a:t>Dir(S)</a:t>
+            </a:r>
+          </a:p>
+          <a:p>
+            <a:r>
+              <a:rPr lang="en-IN" dirty="0" err="1" smtClean="0"/>
+              <a:t>s.upper</a:t>
+            </a:r>
+            <a:r>
+              <a:rPr lang="en-IN" dirty="0" smtClean="0"/>
+              <a:t>().__doc__</a:t>
+            </a:r>
           </a:p>
         </p:txBody>
       </p:sp>
@@ -1411,7 +1500,7 @@
             <a:fld id="{B13FE0EB-CBF4-4E83-B4D9-7E05B4065DBC}" type="slidenum">
               <a:rPr lang="en-GB" smtClean="0"/>
               <a:pPr/>
-              <a:t>22</a:t>
+              <a:t>19</a:t>
             </a:fld>
             <a:endParaRPr lang="en-GB"/>
           </a:p>
@@ -1420,7 +1509,7 @@
     </p:spTree>
     <p:extLst>
       <p:ext uri="{BB962C8B-B14F-4D97-AF65-F5344CB8AC3E}">
-        <p14:creationId xmlns:p14="http://schemas.microsoft.com/office/powerpoint/2010/main" val="4079947707"/>
+        <p14:creationId xmlns:p14="http://schemas.microsoft.com/office/powerpoint/2010/main" val="1134005292"/>
       </p:ext>
     </p:extLst>
   </p:cSld>
@@ -1504,7 +1593,7 @@
             <a:fld id="{B13FE0EB-CBF4-4E83-B4D9-7E05B4065DBC}" type="slidenum">
               <a:rPr lang="en-GB" smtClean="0"/>
               <a:pPr/>
-              <a:t>23</a:t>
+              <a:t>22</a:t>
             </a:fld>
             <a:endParaRPr lang="en-GB"/>
           </a:p>
@@ -1513,7 +1602,7 @@
     </p:spTree>
     <p:extLst>
       <p:ext uri="{BB962C8B-B14F-4D97-AF65-F5344CB8AC3E}">
-        <p14:creationId xmlns:p14="http://schemas.microsoft.com/office/powerpoint/2010/main" val="1413763803"/>
+        <p14:creationId xmlns:p14="http://schemas.microsoft.com/office/powerpoint/2010/main" val="4079947707"/>
       </p:ext>
     </p:extLst>
   </p:cSld>
@@ -1569,7 +1658,11 @@
           <a:p>
             <a:r>
               <a:rPr lang="en-IN" dirty="0" smtClean="0"/>
-              <a:t>a//b : The // operator (two forward slashes) truncates the decimal without rounding, and returns an integer result.</a:t>
+              <a:t>Show</a:t>
+            </a:r>
+            <a:r>
+              <a:rPr lang="en-IN" baseline="0" dirty="0" smtClean="0"/>
+              <a:t> + and * example of list</a:t>
             </a:r>
             <a:endParaRPr lang="fr-FR" dirty="0"/>
           </a:p>
@@ -1593,7 +1686,7 @@
             <a:fld id="{B13FE0EB-CBF4-4E83-B4D9-7E05B4065DBC}" type="slidenum">
               <a:rPr lang="en-GB" smtClean="0"/>
               <a:pPr/>
-              <a:t>31</a:t>
+              <a:t>23</a:t>
             </a:fld>
             <a:endParaRPr lang="en-GB"/>
           </a:p>
@@ -1602,7 +1695,7 @@
     </p:spTree>
     <p:extLst>
       <p:ext uri="{BB962C8B-B14F-4D97-AF65-F5344CB8AC3E}">
-        <p14:creationId xmlns:p14="http://schemas.microsoft.com/office/powerpoint/2010/main" val="404836575"/>
+        <p14:creationId xmlns:p14="http://schemas.microsoft.com/office/powerpoint/2010/main" val="1413763803"/>
       </p:ext>
     </p:extLst>
   </p:cSld>
@@ -1657,37 +1750,8 @@
           <a:lstStyle/>
           <a:p>
             <a:r>
-              <a:rPr lang="fr-FR" sz="1200" b="0" i="0" u="none" strike="noStrike" kern="1200" baseline="0" dirty="0" smtClean="0">
-                <a:solidFill>
-                  <a:schemeClr val="tx1"/>
-                </a:solidFill>
-                <a:latin typeface="+mn-lt"/>
-                <a:ea typeface="+mn-ea"/>
-                <a:cs typeface="+mn-cs"/>
-              </a:rPr>
-              <a:t>d[c] = </a:t>
-            </a:r>
-            <a:r>
-              <a:rPr lang="fr-FR" sz="1200" b="0" i="0" u="none" strike="noStrike" kern="1200" baseline="0" dirty="0" err="1" smtClean="0">
-                <a:solidFill>
-                  <a:schemeClr val="tx1"/>
-                </a:solidFill>
-                <a:latin typeface="+mn-lt"/>
-                <a:ea typeface="+mn-ea"/>
-                <a:cs typeface="+mn-cs"/>
-              </a:rPr>
-              <a:t>d.get</a:t>
-            </a:r>
-            <a:r>
-              <a:rPr lang="fr-FR" sz="1200" b="0" i="0" u="none" strike="noStrike" kern="1200" baseline="0" dirty="0" smtClean="0">
-                <a:solidFill>
-                  <a:schemeClr val="tx1"/>
-                </a:solidFill>
-                <a:latin typeface="+mn-lt"/>
-                <a:ea typeface="+mn-ea"/>
-                <a:cs typeface="+mn-cs"/>
-              </a:rPr>
-              <a:t>(c,0) + 1</a:t>
+              <a:rPr lang="en-IN" dirty="0" smtClean="0"/>
+              <a:t>a//b : The // operator (two forward slashes) truncates the decimal without rounding, and returns an integer result.</a:t>
             </a:r>
             <a:endParaRPr lang="fr-FR" dirty="0"/>
           </a:p>
@@ -1711,7 +1775,7 @@
             <a:fld id="{B13FE0EB-CBF4-4E83-B4D9-7E05B4065DBC}" type="slidenum">
               <a:rPr lang="en-GB" smtClean="0"/>
               <a:pPr/>
-              <a:t>44</a:t>
+              <a:t>31</a:t>
             </a:fld>
             <a:endParaRPr lang="en-GB"/>
           </a:p>
@@ -1720,7 +1784,7 @@
     </p:spTree>
     <p:extLst>
       <p:ext uri="{BB962C8B-B14F-4D97-AF65-F5344CB8AC3E}">
-        <p14:creationId xmlns:p14="http://schemas.microsoft.com/office/powerpoint/2010/main" val="3507278721"/>
+        <p14:creationId xmlns:p14="http://schemas.microsoft.com/office/powerpoint/2010/main" val="404836575"/>
       </p:ext>
     </p:extLst>
   </p:cSld>
@@ -1775,12 +1839,37 @@
           <a:lstStyle/>
           <a:p>
             <a:r>
-              <a:rPr lang="en-IN" dirty="0" err="1" smtClean="0"/>
-              <a:t>lst</a:t>
-            </a:r>
-            <a:r>
-              <a:rPr lang="en-IN" dirty="0" smtClean="0"/>
-              <a:t> = [ x**2 for x in [x**2 for x in range(11)]]</a:t>
+              <a:rPr lang="fr-FR" sz="1200" b="0" i="0" u="none" strike="noStrike" kern="1200" baseline="0" dirty="0" smtClean="0">
+                <a:solidFill>
+                  <a:schemeClr val="tx1"/>
+                </a:solidFill>
+                <a:latin typeface="+mn-lt"/>
+                <a:ea typeface="+mn-ea"/>
+                <a:cs typeface="+mn-cs"/>
+              </a:rPr>
+              <a:t>d[c] = </a:t>
+            </a:r>
+            <a:r>
+              <a:rPr lang="fr-FR" sz="1200" b="0" i="0" u="none" strike="noStrike" kern="1200" baseline="0" dirty="0" err="1" smtClean="0">
+                <a:solidFill>
+                  <a:schemeClr val="tx1"/>
+                </a:solidFill>
+                <a:latin typeface="+mn-lt"/>
+                <a:ea typeface="+mn-ea"/>
+                <a:cs typeface="+mn-cs"/>
+              </a:rPr>
+              <a:t>d.get</a:t>
+            </a:r>
+            <a:r>
+              <a:rPr lang="fr-FR" sz="1200" b="0" i="0" u="none" strike="noStrike" kern="1200" baseline="0" dirty="0" smtClean="0">
+                <a:solidFill>
+                  <a:schemeClr val="tx1"/>
+                </a:solidFill>
+                <a:latin typeface="+mn-lt"/>
+                <a:ea typeface="+mn-ea"/>
+                <a:cs typeface="+mn-cs"/>
+              </a:rPr>
+              <a:t>(c,0) + 1</a:t>
             </a:r>
             <a:endParaRPr lang="fr-FR" dirty="0"/>
           </a:p>
@@ -1804,7 +1893,7 @@
             <a:fld id="{B13FE0EB-CBF4-4E83-B4D9-7E05B4065DBC}" type="slidenum">
               <a:rPr lang="en-GB" smtClean="0"/>
               <a:pPr/>
-              <a:t>46</a:t>
+              <a:t>44</a:t>
             </a:fld>
             <a:endParaRPr lang="en-GB"/>
           </a:p>
@@ -1813,7 +1902,7 @@
     </p:spTree>
     <p:extLst>
       <p:ext uri="{BB962C8B-B14F-4D97-AF65-F5344CB8AC3E}">
-        <p14:creationId xmlns:p14="http://schemas.microsoft.com/office/powerpoint/2010/main" val="2631684876"/>
+        <p14:creationId xmlns:p14="http://schemas.microsoft.com/office/powerpoint/2010/main" val="3507278721"/>
       </p:ext>
     </p:extLst>
   </p:cSld>
@@ -2956,7 +3045,7 @@
             <a:fld id="{7C4F617C-02C9-A546-8BA1-44871C7A2EF5}" type="datetime3">
               <a:rPr lang="fr-FR" smtClean="0"/>
               <a:pPr/>
-              <a:t>07.08.18</a:t>
+              <a:t>11.11.18</a:t>
             </a:fld>
             <a:endParaRPr lang="en-GB" dirty="0"/>
           </a:p>
@@ -3234,7 +3323,7 @@
             <a:fld id="{7C4F617C-02C9-A546-8BA1-44871C7A2EF5}" type="datetime3">
               <a:rPr lang="fr-FR" smtClean="0"/>
               <a:pPr/>
-              <a:t>07.08.18</a:t>
+              <a:t>11.11.18</a:t>
             </a:fld>
             <a:endParaRPr lang="en-GB" dirty="0"/>
           </a:p>
@@ -3611,7 +3700,7 @@
             <a:fld id="{7C4F617C-02C9-A546-8BA1-44871C7A2EF5}" type="datetime3">
               <a:rPr lang="fr-FR" smtClean="0"/>
               <a:pPr/>
-              <a:t>07.08.18</a:t>
+              <a:t>11.11.18</a:t>
             </a:fld>
             <a:endParaRPr lang="en-GB" dirty="0"/>
           </a:p>
@@ -3811,7 +3900,7 @@
             <a:fld id="{7C4F617C-02C9-A546-8BA1-44871C7A2EF5}" type="datetime3">
               <a:rPr lang="fr-FR" smtClean="0"/>
               <a:pPr/>
-              <a:t>07.08.18</a:t>
+              <a:t>11.11.18</a:t>
             </a:fld>
             <a:endParaRPr lang="en-GB" dirty="0"/>
           </a:p>
@@ -4127,7 +4216,7 @@
             <a:fld id="{7C4F617C-02C9-A546-8BA1-44871C7A2EF5}" type="datetime3">
               <a:rPr lang="fr-FR" smtClean="0"/>
               <a:pPr/>
-              <a:t>07.08.18</a:t>
+              <a:t>11.11.18</a:t>
             </a:fld>
             <a:endParaRPr lang="en-GB" dirty="0"/>
           </a:p>
@@ -4827,19 +4916,74 @@
             <a:pPr lvl="1"/>
             <a:r>
               <a:rPr lang="en-IN" dirty="0" smtClean="0"/>
-              <a:t>When unmodified source code is executed next time, the compilation step is ignored.</a:t>
-            </a:r>
-          </a:p>
-          <a:p>
-            <a:r>
-              <a:rPr lang="en-IN" dirty="0" smtClean="0"/>
-              <a:t>Byte code is saved in files only for files that are imported, not the top-level files of a program that are only run as scripts – its an import optimization.</a:t>
-            </a:r>
+              <a:t>When unmodified source code is executed next time, the compilation step is ignored</a:t>
+            </a:r>
+            <a:r>
+              <a:rPr lang="en-IN" dirty="0" smtClean="0"/>
+              <a:t>.</a:t>
+            </a:r>
+          </a:p>
+          <a:p>
+            <a:pPr lvl="1"/>
+            <a:endParaRPr lang="en-IN" dirty="0">
+              <a:sym typeface="Wingdings" panose="05000000000000000000" pitchFamily="2" charset="2"/>
+            </a:endParaRPr>
+          </a:p>
+          <a:p>
+            <a:pPr lvl="1"/>
             <a:endParaRPr lang="en-IN" dirty="0" smtClean="0">
               <a:sym typeface="Wingdings" panose="05000000000000000000" pitchFamily="2" charset="2"/>
             </a:endParaRPr>
           </a:p>
           <a:p>
+            <a:pPr marL="185738" lvl="1" indent="0">
+              <a:buNone/>
+            </a:pPr>
+            <a:endParaRPr lang="en-IN" dirty="0">
+              <a:sym typeface="Wingdings" panose="05000000000000000000" pitchFamily="2" charset="2"/>
+            </a:endParaRPr>
+          </a:p>
+          <a:p>
+            <a:pPr marL="185738" lvl="1" indent="0">
+              <a:buNone/>
+            </a:pPr>
+            <a:endParaRPr lang="en-IN" dirty="0" smtClean="0">
+              <a:sym typeface="Wingdings" panose="05000000000000000000" pitchFamily="2" charset="2"/>
+            </a:endParaRPr>
+          </a:p>
+          <a:p>
+            <a:pPr marL="185738" lvl="1" indent="0">
+              <a:buNone/>
+            </a:pPr>
+            <a:r>
+              <a:rPr lang="en-IN" dirty="0" smtClean="0">
+                <a:sym typeface="Wingdings" panose="05000000000000000000" pitchFamily="2" charset="2"/>
+              </a:rPr>
+              <a:t>Note : </a:t>
+            </a:r>
+            <a:r>
+              <a:rPr lang="en-IN" dirty="0"/>
+              <a:t>Byte code is saved in files only for files that are imported, not the top-level files of a program that are only run as scripts – its an import optimization</a:t>
+            </a:r>
+            <a:endParaRPr lang="fr-FR" dirty="0"/>
+          </a:p>
+          <a:p>
+            <a:pPr marL="185738" lvl="1" indent="0">
+              <a:buNone/>
+            </a:pPr>
+            <a:endParaRPr lang="en-IN" dirty="0" smtClean="0">
+              <a:sym typeface="Wingdings" panose="05000000000000000000" pitchFamily="2" charset="2"/>
+            </a:endParaRPr>
+          </a:p>
+          <a:p>
+            <a:pPr marL="185738" lvl="1" indent="0">
+              <a:buNone/>
+            </a:pPr>
+            <a:endParaRPr lang="en-IN" dirty="0" smtClean="0">
+              <a:sym typeface="Wingdings" panose="05000000000000000000" pitchFamily="2" charset="2"/>
+            </a:endParaRPr>
+          </a:p>
+          <a:p>
             <a:pPr lvl="2">
               <a:buFont typeface="Wingdings" panose="05000000000000000000" pitchFamily="2" charset="2"/>
               <a:buChar char="à"/>
@@ -4884,7 +5028,7 @@
             <a:fld id="{7C4F617C-02C9-A546-8BA1-44871C7A2EF5}" type="datetime3">
               <a:rPr lang="fr-FR" smtClean="0"/>
               <a:pPr/>
-              <a:t>07.08.18</a:t>
+              <a:t>11.11.18</a:t>
             </a:fld>
             <a:endParaRPr lang="en-GB" dirty="0"/>
           </a:p>
@@ -5064,7 +5208,7 @@
             <a:fld id="{7C4F617C-02C9-A546-8BA1-44871C7A2EF5}" type="datetime3">
               <a:rPr lang="fr-FR" smtClean="0"/>
               <a:pPr/>
-              <a:t>07.08.18</a:t>
+              <a:t>11.11.18</a:t>
             </a:fld>
             <a:endParaRPr lang="en-GB" dirty="0"/>
           </a:p>
@@ -5324,7 +5468,7 @@
             <a:fld id="{7C4F617C-02C9-A546-8BA1-44871C7A2EF5}" type="datetime3">
               <a:rPr lang="fr-FR" smtClean="0"/>
               <a:pPr/>
-              <a:t>07.08.18</a:t>
+              <a:t>11.11.18</a:t>
             </a:fld>
             <a:endParaRPr lang="en-GB" dirty="0"/>
           </a:p>
@@ -5566,7 +5710,7 @@
             <a:fld id="{7C4F617C-02C9-A546-8BA1-44871C7A2EF5}" type="datetime3">
               <a:rPr lang="fr-FR" smtClean="0"/>
               <a:pPr/>
-              <a:t>07.08.18</a:t>
+              <a:t>11.11.18</a:t>
             </a:fld>
             <a:endParaRPr lang="en-GB" dirty="0"/>
           </a:p>
@@ -6717,7 +6861,7 @@
             <a:fld id="{7C4F617C-02C9-A546-8BA1-44871C7A2EF5}" type="datetime3">
               <a:rPr lang="fr-FR" smtClean="0"/>
               <a:pPr/>
-              <a:t>07.08.18</a:t>
+              <a:t>11.11.18</a:t>
             </a:fld>
             <a:endParaRPr lang="en-GB" dirty="0"/>
           </a:p>
@@ -7003,7 +7147,7 @@
             <a:fld id="{7C4F617C-02C9-A546-8BA1-44871C7A2EF5}" type="datetime3">
               <a:rPr lang="fr-FR" smtClean="0"/>
               <a:pPr/>
-              <a:t>07.08.18</a:t>
+              <a:t>11.11.18</a:t>
             </a:fld>
             <a:endParaRPr lang="en-GB" dirty="0"/>
           </a:p>
@@ -7230,7 +7374,7 @@
             <a:fld id="{7C4F617C-02C9-A546-8BA1-44871C7A2EF5}" type="datetime3">
               <a:rPr lang="fr-FR" smtClean="0"/>
               <a:pPr/>
-              <a:t>07.08.18</a:t>
+              <a:t>11.11.18</a:t>
             </a:fld>
             <a:endParaRPr lang="en-GB" dirty="0"/>
           </a:p>
@@ -7560,7 +7704,7 @@
             <a:fld id="{7C4F617C-02C9-A546-8BA1-44871C7A2EF5}" type="datetime3">
               <a:rPr lang="fr-FR" smtClean="0"/>
               <a:pPr/>
-              <a:t>07.08.18</a:t>
+              <a:t>11.11.18</a:t>
             </a:fld>
             <a:endParaRPr lang="en-GB" dirty="0"/>
           </a:p>
@@ -7778,7 +7922,7 @@
             <a:fld id="{7C4F617C-02C9-A546-8BA1-44871C7A2EF5}" type="datetime3">
               <a:rPr lang="fr-FR" smtClean="0"/>
               <a:pPr/>
-              <a:t>07.08.18</a:t>
+              <a:t>11.11.18</a:t>
             </a:fld>
             <a:endParaRPr lang="en-GB" dirty="0"/>
           </a:p>
@@ -8039,7 +8183,7 @@
             <a:fld id="{7C4F617C-02C9-A546-8BA1-44871C7A2EF5}" type="datetime3">
               <a:rPr lang="fr-FR" smtClean="0"/>
               <a:pPr/>
-              <a:t>07.08.18</a:t>
+              <a:t>11.11.18</a:t>
             </a:fld>
             <a:endParaRPr lang="en-GB" dirty="0"/>
           </a:p>
@@ -8757,7 +8901,7 @@
             <a:fld id="{7C4F617C-02C9-A546-8BA1-44871C7A2EF5}" type="datetime3">
               <a:rPr lang="fr-FR" smtClean="0"/>
               <a:pPr/>
-              <a:t>07.08.18</a:t>
+              <a:t>11.11.18</a:t>
             </a:fld>
             <a:endParaRPr lang="en-GB" dirty="0"/>
           </a:p>
@@ -9031,7 +9175,7 @@
             <a:fld id="{7C4F617C-02C9-A546-8BA1-44871C7A2EF5}" type="datetime3">
               <a:rPr lang="fr-FR" smtClean="0"/>
               <a:pPr/>
-              <a:t>07.08.18</a:t>
+              <a:t>11.11.18</a:t>
             </a:fld>
             <a:endParaRPr lang="en-GB" dirty="0"/>
           </a:p>
@@ -9240,7 +9384,7 @@
             <a:fld id="{7C4F617C-02C9-A546-8BA1-44871C7A2EF5}" type="datetime3">
               <a:rPr lang="fr-FR" smtClean="0"/>
               <a:pPr/>
-              <a:t>07.08.18</a:t>
+              <a:t>11.11.18</a:t>
             </a:fld>
             <a:endParaRPr lang="en-GB" dirty="0"/>
           </a:p>
@@ -9503,7 +9647,7 @@
             <a:fld id="{7C4F617C-02C9-A546-8BA1-44871C7A2EF5}" type="datetime3">
               <a:rPr lang="fr-FR" smtClean="0"/>
               <a:pPr/>
-              <a:t>07.08.18</a:t>
+              <a:t>11.11.18</a:t>
             </a:fld>
             <a:endParaRPr lang="en-GB" dirty="0"/>
           </a:p>
@@ -9777,7 +9921,7 @@
             <a:fld id="{7C4F617C-02C9-A546-8BA1-44871C7A2EF5}" type="datetime3">
               <a:rPr lang="fr-FR" smtClean="0"/>
               <a:pPr/>
-              <a:t>07.08.18</a:t>
+              <a:t>11.11.18</a:t>
             </a:fld>
             <a:endParaRPr lang="en-GB" dirty="0"/>
           </a:p>
@@ -9978,7 +10122,7 @@
             <a:fld id="{7C4F617C-02C9-A546-8BA1-44871C7A2EF5}" type="datetime3">
               <a:rPr lang="fr-FR" smtClean="0"/>
               <a:pPr/>
-              <a:t>07.08.18</a:t>
+              <a:t>11.11.18</a:t>
             </a:fld>
             <a:endParaRPr lang="en-GB" dirty="0"/>
           </a:p>
@@ -10252,7 +10396,15 @@
           <a:p>
             <a:r>
               <a:rPr lang="en-IN" dirty="0" smtClean="0"/>
-              <a:t>The dictionary in membership expression can be used to test presence of a key </a:t>
+              <a:t>The dictionary </a:t>
+            </a:r>
+            <a:r>
+              <a:rPr lang="en-IN" b="1" dirty="0" smtClean="0"/>
+              <a:t>in</a:t>
+            </a:r>
+            <a:r>
+              <a:rPr lang="en-IN" dirty="0" smtClean="0"/>
+              <a:t> membership expression can be used to test presence of a key </a:t>
             </a:r>
           </a:p>
         </p:txBody>
@@ -10275,7 +10427,7 @@
             <a:fld id="{7C4F617C-02C9-A546-8BA1-44871C7A2EF5}" type="datetime3">
               <a:rPr lang="fr-FR" smtClean="0"/>
               <a:pPr/>
-              <a:t>07.08.18</a:t>
+              <a:t>11.11.18</a:t>
             </a:fld>
             <a:endParaRPr lang="en-GB" dirty="0"/>
           </a:p>
@@ -10501,12 +10653,12 @@
           </a:p>
           <a:p>
             <a:r>
-              <a:rPr lang="en-IN" dirty="0" err="1" smtClean="0"/>
-              <a:t>Comman</a:t>
-            </a:r>
-            <a:r>
-              <a:rPr lang="en-IN" dirty="0" smtClean="0"/>
-              <a:t> used Methods:</a:t>
+              <a:rPr lang="en-IN" dirty="0" smtClean="0"/>
+              <a:t>Common </a:t>
+            </a:r>
+            <a:r>
+              <a:rPr lang="en-IN" dirty="0" smtClean="0"/>
+              <a:t>used Methods:</a:t>
             </a:r>
           </a:p>
           <a:p>
@@ -10593,7 +10745,7 @@
             <a:fld id="{7C4F617C-02C9-A546-8BA1-44871C7A2EF5}" type="datetime3">
               <a:rPr lang="fr-FR" smtClean="0"/>
               <a:pPr/>
-              <a:t>07.08.18</a:t>
+              <a:t>11.11.18</a:t>
             </a:fld>
             <a:endParaRPr lang="en-GB" dirty="0"/>
           </a:p>
@@ -10988,7 +11140,7 @@
             <a:fld id="{7C4F617C-02C9-A546-8BA1-44871C7A2EF5}" type="datetime3">
               <a:rPr lang="fr-FR" smtClean="0"/>
               <a:pPr/>
-              <a:t>07.08.18</a:t>
+              <a:t>11.11.18</a:t>
             </a:fld>
             <a:endParaRPr lang="en-GB" dirty="0"/>
           </a:p>
@@ -11173,7 +11325,7 @@
             <a:fld id="{7C4F617C-02C9-A546-8BA1-44871C7A2EF5}" type="datetime3">
               <a:rPr lang="fr-FR" smtClean="0"/>
               <a:pPr/>
-              <a:t>07.08.18</a:t>
+              <a:t>11.11.18</a:t>
             </a:fld>
             <a:endParaRPr lang="en-GB" dirty="0"/>
           </a:p>
@@ -11483,7 +11635,7 @@
             <a:fld id="{7C4F617C-02C9-A546-8BA1-44871C7A2EF5}" type="datetime3">
               <a:rPr lang="fr-FR" smtClean="0"/>
               <a:pPr/>
-              <a:t>07.08.18</a:t>
+              <a:t>11.11.18</a:t>
             </a:fld>
             <a:endParaRPr lang="en-GB" dirty="0"/>
           </a:p>
@@ -11676,7 +11828,7 @@
             <a:fld id="{7C4F617C-02C9-A546-8BA1-44871C7A2EF5}" type="datetime3">
               <a:rPr lang="fr-FR" smtClean="0"/>
               <a:pPr/>
-              <a:t>07.08.18</a:t>
+              <a:t>11.11.18</a:t>
             </a:fld>
             <a:endParaRPr lang="en-GB" dirty="0"/>
           </a:p>
@@ -11802,7 +11954,7 @@
             <p:ph idx="1"/>
             <p:extLst>
               <p:ext uri="{D42A27DB-BD31-4B8C-83A1-F6EECF244321}">
-                <p14:modId xmlns:p14="http://schemas.microsoft.com/office/powerpoint/2010/main" val="1657502976"/>
+                <p14:modId xmlns:p14="http://schemas.microsoft.com/office/powerpoint/2010/main" val="3510991034"/>
               </p:ext>
             </p:extLst>
           </p:nvPr>
@@ -12081,18 +12233,7 @@
                           <a:ea typeface="+mn-ea"/>
                           <a:cs typeface="+mn-cs"/>
                         </a:rPr>
-                        <a:t>Containment</a:t>
-                      </a:r>
-                      <a:r>
-                        <a:rPr lang="fr-FR" sz="1800" b="0" i="0" u="none" strike="noStrike" kern="1200" baseline="0" dirty="0" smtClean="0">
-                          <a:solidFill>
-                            <a:schemeClr val="dk1"/>
-                          </a:solidFill>
-                          <a:latin typeface="+mn-lt"/>
-                          <a:ea typeface="+mn-ea"/>
-                          <a:cs typeface="+mn-cs"/>
-                        </a:rPr>
-                        <a:t> Test</a:t>
+                        <a:t>Contains</a:t>
                       </a:r>
                       <a:endParaRPr lang="fr-FR" dirty="0"/>
                     </a:p>
@@ -12512,7 +12653,7 @@
             <a:fld id="{7C4F617C-02C9-A546-8BA1-44871C7A2EF5}" type="datetime3">
               <a:rPr lang="fr-FR" smtClean="0"/>
               <a:pPr/>
-              <a:t>07.08.18</a:t>
+              <a:t>11.11.18</a:t>
             </a:fld>
             <a:endParaRPr lang="en-GB" dirty="0"/>
           </a:p>
@@ -13441,7 +13582,7 @@
             <a:fld id="{7C4F617C-02C9-A546-8BA1-44871C7A2EF5}" type="datetime3">
               <a:rPr lang="fr-FR" smtClean="0"/>
               <a:pPr/>
-              <a:t>07.08.18</a:t>
+              <a:t>11.11.18</a:t>
             </a:fld>
             <a:endParaRPr lang="en-GB" dirty="0"/>
           </a:p>
@@ -13662,7 +13803,7 @@
             <a:fld id="{7C4F617C-02C9-A546-8BA1-44871C7A2EF5}" type="datetime3">
               <a:rPr lang="fr-FR" smtClean="0"/>
               <a:pPr/>
-              <a:t>07.08.18</a:t>
+              <a:t>11.11.18</a:t>
             </a:fld>
             <a:endParaRPr lang="en-GB" dirty="0"/>
           </a:p>
@@ -13886,7 +14027,7 @@
             <a:fld id="{7C4F617C-02C9-A546-8BA1-44871C7A2EF5}" type="datetime3">
               <a:rPr lang="fr-FR" smtClean="0"/>
               <a:pPr/>
-              <a:t>07.08.18</a:t>
+              <a:t>11.11.18</a:t>
             </a:fld>
             <a:endParaRPr lang="en-GB" dirty="0"/>
           </a:p>
@@ -14180,7 +14321,7 @@
             <a:fld id="{7C4F617C-02C9-A546-8BA1-44871C7A2EF5}" type="datetime3">
               <a:rPr lang="fr-FR" smtClean="0"/>
               <a:pPr/>
-              <a:t>07.08.18</a:t>
+              <a:t>11.11.18</a:t>
             </a:fld>
             <a:endParaRPr lang="en-GB" dirty="0"/>
           </a:p>
@@ -14639,7 +14780,7 @@
             <a:fld id="{7C4F617C-02C9-A546-8BA1-44871C7A2EF5}" type="datetime3">
               <a:rPr lang="fr-FR" smtClean="0"/>
               <a:pPr/>
-              <a:t>07.08.18</a:t>
+              <a:t>11.11.18</a:t>
             </a:fld>
             <a:endParaRPr lang="en-GB" dirty="0"/>
           </a:p>
@@ -14855,7 +14996,7 @@
             <a:fld id="{7C4F617C-02C9-A546-8BA1-44871C7A2EF5}" type="datetime3">
               <a:rPr lang="fr-FR" smtClean="0"/>
               <a:pPr/>
-              <a:t>07.08.18</a:t>
+              <a:t>11.11.18</a:t>
             </a:fld>
             <a:endParaRPr lang="en-GB" dirty="0"/>
           </a:p>
@@ -15086,7 +15227,7 @@
             <a:fld id="{7C4F617C-02C9-A546-8BA1-44871C7A2EF5}" type="datetime3">
               <a:rPr lang="fr-FR" smtClean="0"/>
               <a:pPr/>
-              <a:t>07.08.18</a:t>
+              <a:t>11.11.18</a:t>
             </a:fld>
             <a:endParaRPr lang="en-GB" dirty="0"/>
           </a:p>
@@ -15416,7 +15557,7 @@
             <a:fld id="{7C4F617C-02C9-A546-8BA1-44871C7A2EF5}" type="datetime3">
               <a:rPr lang="fr-FR" smtClean="0"/>
               <a:pPr/>
-              <a:t>07.08.18</a:t>
+              <a:t>11.11.18</a:t>
             </a:fld>
             <a:endParaRPr lang="en-GB" dirty="0"/>
           </a:p>
@@ -15685,7 +15826,7 @@
             <a:fld id="{7C4F617C-02C9-A546-8BA1-44871C7A2EF5}" type="datetime3">
               <a:rPr lang="fr-FR" smtClean="0"/>
               <a:pPr/>
-              <a:t>07.08.18</a:t>
+              <a:t>11.11.18</a:t>
             </a:fld>
             <a:endParaRPr lang="en-GB" dirty="0"/>
           </a:p>
@@ -16012,10 +16153,6 @@
             <a:pPr marL="185738" lvl="1" indent="0">
               <a:buNone/>
             </a:pPr>
-            <a:r>
-              <a:rPr lang="en-IN" dirty="0" smtClean="0"/>
-              <a:t>* Add Example</a:t>
-            </a:r>
             <a:endParaRPr lang="fr-FR" dirty="0"/>
           </a:p>
         </p:txBody>
@@ -16038,7 +16175,7 @@
             <a:fld id="{7C4F617C-02C9-A546-8BA1-44871C7A2EF5}" type="datetime3">
               <a:rPr lang="fr-FR" smtClean="0"/>
               <a:pPr/>
-              <a:t>07.08.18</a:t>
+              <a:t>11.11.18</a:t>
             </a:fld>
             <a:endParaRPr lang="en-GB" dirty="0"/>
           </a:p>
@@ -16247,7 +16384,7 @@
             <a:fld id="{7C4F617C-02C9-A546-8BA1-44871C7A2EF5}" type="datetime3">
               <a:rPr lang="fr-FR" smtClean="0"/>
               <a:pPr/>
-              <a:t>07.08.18</a:t>
+              <a:t>11.11.18</a:t>
             </a:fld>
             <a:endParaRPr lang="en-GB" dirty="0"/>
           </a:p>
@@ -16552,7 +16689,7 @@
             <a:fld id="{7C4F617C-02C9-A546-8BA1-44871C7A2EF5}" type="datetime3">
               <a:rPr lang="fr-FR" smtClean="0"/>
               <a:pPr/>
-              <a:t>07.08.18</a:t>
+              <a:t>11.11.18</a:t>
             </a:fld>
             <a:endParaRPr lang="en-GB" dirty="0"/>
           </a:p>
@@ -16984,7 +17121,7 @@
             <a:fld id="{7C4F617C-02C9-A546-8BA1-44871C7A2EF5}" type="datetime3">
               <a:rPr lang="fr-FR" smtClean="0"/>
               <a:pPr/>
-              <a:t>07.08.18</a:t>
+              <a:t>11.11.18</a:t>
             </a:fld>
             <a:endParaRPr lang="en-GB" dirty="0"/>
           </a:p>
@@ -17160,7 +17297,7 @@
             <a:fld id="{7C4F617C-02C9-A546-8BA1-44871C7A2EF5}" type="datetime3">
               <a:rPr lang="fr-FR" smtClean="0"/>
               <a:pPr/>
-              <a:t>07.08.18</a:t>
+              <a:t>11.11.18</a:t>
             </a:fld>
             <a:endParaRPr lang="en-GB" dirty="0"/>
           </a:p>
@@ -17532,7 +17669,7 @@
             <a:fld id="{7C4F617C-02C9-A546-8BA1-44871C7A2EF5}" type="datetime3">
               <a:rPr lang="fr-FR" smtClean="0"/>
               <a:pPr/>
-              <a:t>07.08.18</a:t>
+              <a:t>11.11.18</a:t>
             </a:fld>
             <a:endParaRPr lang="en-GB" dirty="0"/>
           </a:p>
@@ -17678,19 +17815,7 @@
             </a:r>
             <a:r>
               <a:rPr lang="en-IN" dirty="0" smtClean="0"/>
-              <a:t>Make a list containing every </a:t>
-            </a:r>
-            <a:r>
-              <a:rPr lang="en-IN" dirty="0" smtClean="0"/>
-              <a:t>character from </a:t>
-            </a:r>
-            <a:r>
-              <a:rPr lang="en-IN" dirty="0" smtClean="0"/>
-              <a:t>a given </a:t>
-            </a:r>
-            <a:r>
-              <a:rPr lang="en-IN" dirty="0" smtClean="0"/>
-              <a:t>string</a:t>
+              <a:t>Make a list containing every character from a given string</a:t>
             </a:r>
           </a:p>
           <a:p>
@@ -17744,11 +17869,7 @@
             </a:r>
             <a:r>
               <a:rPr lang="en-IN" dirty="0" smtClean="0"/>
-              <a:t>Make a list containing upper case word from a given </a:t>
-            </a:r>
-            <a:r>
-              <a:rPr lang="en-IN" dirty="0" smtClean="0"/>
-              <a:t>string.</a:t>
+              <a:t>Make a list containing upper case word from a given string.</a:t>
             </a:r>
           </a:p>
           <a:p>
@@ -17790,11 +17911,7 @@
             </a:r>
             <a:r>
               <a:rPr lang="en-IN" dirty="0" smtClean="0"/>
-              <a:t>Create a list containing only even numbers from a given </a:t>
-            </a:r>
-            <a:r>
-              <a:rPr lang="en-IN" dirty="0" smtClean="0"/>
-              <a:t>list.</a:t>
+              <a:t>Create a list containing only even numbers from a given list.</a:t>
             </a:r>
           </a:p>
           <a:p>
@@ -17874,11 +17991,7 @@
             </a:r>
             <a:r>
               <a:rPr lang="en-IN" dirty="0" smtClean="0"/>
-              <a:t>Nested List </a:t>
-            </a:r>
-            <a:r>
-              <a:rPr lang="en-IN" dirty="0" smtClean="0"/>
-              <a:t>comprehension</a:t>
+              <a:t>Nested List comprehension</a:t>
             </a:r>
           </a:p>
           <a:p>
@@ -17917,7 +18030,7 @@
             <a:fld id="{7C4F617C-02C9-A546-8BA1-44871C7A2EF5}" type="datetime3">
               <a:rPr lang="fr-FR" smtClean="0"/>
               <a:pPr/>
-              <a:t>07.08.18</a:t>
+              <a:t>11.11.18</a:t>
             </a:fld>
             <a:endParaRPr lang="en-GB" dirty="0"/>
           </a:p>
@@ -18134,7 +18247,7 @@
             <a:fld id="{7C4F617C-02C9-A546-8BA1-44871C7A2EF5}" type="datetime3">
               <a:rPr lang="fr-FR" smtClean="0"/>
               <a:pPr/>
-              <a:t>07.08.18</a:t>
+              <a:t>11.11.18</a:t>
             </a:fld>
             <a:endParaRPr lang="en-GB" dirty="0"/>
           </a:p>
@@ -18453,7 +18566,7 @@
             <a:fld id="{7C4F617C-02C9-A546-8BA1-44871C7A2EF5}" type="datetime3">
               <a:rPr lang="fr-FR" smtClean="0"/>
               <a:pPr/>
-              <a:t>07.08.18</a:t>
+              <a:t>11.11.18</a:t>
             </a:fld>
             <a:endParaRPr lang="en-GB" dirty="0"/>
           </a:p>
@@ -18750,7 +18863,7 @@
             <a:fld id="{7C4F617C-02C9-A546-8BA1-44871C7A2EF5}" type="datetime3">
               <a:rPr lang="fr-FR" smtClean="0"/>
               <a:pPr/>
-              <a:t>07.08.18</a:t>
+              <a:t>11.11.18</a:t>
             </a:fld>
             <a:endParaRPr lang="en-GB" dirty="0"/>
           </a:p>
@@ -19132,7 +19245,7 @@
             <a:fld id="{7C4F617C-02C9-A546-8BA1-44871C7A2EF5}" type="datetime3">
               <a:rPr lang="fr-FR" smtClean="0"/>
               <a:pPr/>
-              <a:t>07.08.18</a:t>
+              <a:t>11.11.18</a:t>
             </a:fld>
             <a:endParaRPr lang="en-GB" dirty="0"/>
           </a:p>
@@ -19584,7 +19697,7 @@
             <a:fld id="{7C4F617C-02C9-A546-8BA1-44871C7A2EF5}" type="datetime3">
               <a:rPr lang="fr-FR" smtClean="0"/>
               <a:pPr/>
-              <a:t>07.08.18</a:t>
+              <a:t>11.11.18</a:t>
             </a:fld>
             <a:endParaRPr lang="en-GB" dirty="0"/>
           </a:p>
@@ -19794,7 +19907,7 @@
             <a:fld id="{7C4F617C-02C9-A546-8BA1-44871C7A2EF5}" type="datetime3">
               <a:rPr lang="fr-FR" smtClean="0"/>
               <a:pPr/>
-              <a:t>07.08.18</a:t>
+              <a:t>11.11.18</a:t>
             </a:fld>
             <a:endParaRPr lang="en-GB" dirty="0"/>
           </a:p>
@@ -20122,7 +20235,7 @@
             <a:fld id="{7C4F617C-02C9-A546-8BA1-44871C7A2EF5}" type="datetime3">
               <a:rPr lang="fr-FR" smtClean="0"/>
               <a:pPr/>
-              <a:t>07.08.18</a:t>
+              <a:t>11.11.18</a:t>
             </a:fld>
             <a:endParaRPr lang="en-GB" dirty="0"/>
           </a:p>
@@ -20508,7 +20621,7 @@
             <a:fld id="{7C4F617C-02C9-A546-8BA1-44871C7A2EF5}" type="datetime3">
               <a:rPr lang="fr-FR" smtClean="0"/>
               <a:pPr/>
-              <a:t>07.08.18</a:t>
+              <a:t>11.11.18</a:t>
             </a:fld>
             <a:endParaRPr lang="en-GB" dirty="0"/>
           </a:p>
@@ -20827,7 +20940,7 @@
             <a:fld id="{7C4F617C-02C9-A546-8BA1-44871C7A2EF5}" type="datetime3">
               <a:rPr lang="fr-FR" smtClean="0"/>
               <a:pPr/>
-              <a:t>07.08.18</a:t>
+              <a:t>11.11.18</a:t>
             </a:fld>
             <a:endParaRPr lang="en-GB" dirty="0"/>
           </a:p>
@@ -21020,7 +21133,7 @@
             <a:fld id="{7C4F617C-02C9-A546-8BA1-44871C7A2EF5}" type="datetime3">
               <a:rPr lang="fr-FR" smtClean="0"/>
               <a:pPr/>
-              <a:t>07.08.18</a:t>
+              <a:t>11.11.18</a:t>
             </a:fld>
             <a:endParaRPr lang="en-GB" dirty="0"/>
           </a:p>
@@ -21338,7 +21451,7 @@
             <a:fld id="{7C4F617C-02C9-A546-8BA1-44871C7A2EF5}" type="datetime3">
               <a:rPr lang="fr-FR" smtClean="0"/>
               <a:pPr/>
-              <a:t>07.08.18</a:t>
+              <a:t>11.11.18</a:t>
             </a:fld>
             <a:endParaRPr lang="en-GB" dirty="0"/>
           </a:p>
@@ -21716,7 +21829,7 @@
             <a:fld id="{7C4F617C-02C9-A546-8BA1-44871C7A2EF5}" type="datetime3">
               <a:rPr lang="fr-FR" smtClean="0"/>
               <a:pPr/>
-              <a:t>07.08.18</a:t>
+              <a:t>11.11.18</a:t>
             </a:fld>
             <a:endParaRPr lang="en-GB" dirty="0"/>
           </a:p>
@@ -22029,7 +22142,7 @@
             <a:fld id="{7C4F617C-02C9-A546-8BA1-44871C7A2EF5}" type="datetime3">
               <a:rPr lang="fr-FR" smtClean="0"/>
               <a:pPr/>
-              <a:t>07.08.18</a:t>
+              <a:t>11.11.18</a:t>
             </a:fld>
             <a:endParaRPr lang="en-GB" dirty="0"/>
           </a:p>
@@ -22279,7 +22392,7 @@
             <a:fld id="{7C4F617C-02C9-A546-8BA1-44871C7A2EF5}" type="datetime3">
               <a:rPr lang="fr-FR" smtClean="0"/>
               <a:pPr/>
-              <a:t>07.08.18</a:t>
+              <a:t>11.11.18</a:t>
             </a:fld>
             <a:endParaRPr lang="en-GB" dirty="0"/>
           </a:p>
@@ -22527,7 +22640,7 @@
             <a:fld id="{7C4F617C-02C9-A546-8BA1-44871C7A2EF5}" type="datetime3">
               <a:rPr lang="fr-FR" smtClean="0"/>
               <a:pPr/>
-              <a:t>07.08.18</a:t>
+              <a:t>11.11.18</a:t>
             </a:fld>
             <a:endParaRPr lang="en-GB" dirty="0"/>
           </a:p>
@@ -22735,7 +22848,7 @@
             <a:fld id="{7C4F617C-02C9-A546-8BA1-44871C7A2EF5}" type="datetime3">
               <a:rPr lang="fr-FR" smtClean="0"/>
               <a:pPr/>
-              <a:t>07.08.18</a:t>
+              <a:t>11.11.18</a:t>
             </a:fld>
             <a:endParaRPr lang="en-GB" dirty="0"/>
           </a:p>
@@ -22978,7 +23091,7 @@
             <a:fld id="{7C4F617C-02C9-A546-8BA1-44871C7A2EF5}" type="datetime3">
               <a:rPr lang="fr-FR" smtClean="0"/>
               <a:pPr/>
-              <a:t>07.08.18</a:t>
+              <a:t>11.11.18</a:t>
             </a:fld>
             <a:endParaRPr lang="en-GB" dirty="0"/>
           </a:p>
@@ -23261,7 +23374,7 @@
             <a:fld id="{7C4F617C-02C9-A546-8BA1-44871C7A2EF5}" type="datetime3">
               <a:rPr lang="fr-FR" smtClean="0"/>
               <a:pPr/>
-              <a:t>07.08.18</a:t>
+              <a:t>11.11.18</a:t>
             </a:fld>
             <a:endParaRPr lang="en-GB" dirty="0"/>
           </a:p>
@@ -23476,7 +23589,7 @@
             <a:fld id="{7C4F617C-02C9-A546-8BA1-44871C7A2EF5}" type="datetime3">
               <a:rPr lang="fr-FR" smtClean="0"/>
               <a:pPr/>
-              <a:t>07.08.18</a:t>
+              <a:t>11.11.18</a:t>
             </a:fld>
             <a:endParaRPr lang="en-GB" dirty="0"/>
           </a:p>
